--- a/dotnetlatam_2024_k8s101devs.pptx
+++ b/dotnetlatam_2024_k8s101devs.pptx
@@ -5,7 +5,7 @@
     <p:sldMasterId id="2147483648" r:id="rId1"/>
   </p:sldMasterIdLst>
   <p:notesMasterIdLst>
-    <p:notesMasterId r:id="rId47"/>
+    <p:notesMasterId r:id="rId46"/>
   </p:notesMasterIdLst>
   <p:sldIdLst>
     <p:sldId id="256" r:id="rId2"/>
@@ -22,37 +22,36 @@
     <p:sldId id="313" r:id="rId13"/>
     <p:sldId id="287" r:id="rId14"/>
     <p:sldId id="277" r:id="rId15"/>
-    <p:sldId id="278" r:id="rId16"/>
-    <p:sldId id="272" r:id="rId17"/>
-    <p:sldId id="279" r:id="rId18"/>
-    <p:sldId id="318" r:id="rId19"/>
-    <p:sldId id="280" r:id="rId20"/>
-    <p:sldId id="282" r:id="rId21"/>
-    <p:sldId id="283" r:id="rId22"/>
-    <p:sldId id="284" r:id="rId23"/>
-    <p:sldId id="285" r:id="rId24"/>
-    <p:sldId id="286" r:id="rId25"/>
-    <p:sldId id="319" r:id="rId26"/>
-    <p:sldId id="288" r:id="rId27"/>
-    <p:sldId id="289" r:id="rId28"/>
-    <p:sldId id="290" r:id="rId29"/>
-    <p:sldId id="292" r:id="rId30"/>
-    <p:sldId id="320" r:id="rId31"/>
-    <p:sldId id="293" r:id="rId32"/>
-    <p:sldId id="294" r:id="rId33"/>
-    <p:sldId id="295" r:id="rId34"/>
-    <p:sldId id="296" r:id="rId35"/>
-    <p:sldId id="321" r:id="rId36"/>
-    <p:sldId id="298" r:id="rId37"/>
-    <p:sldId id="299" r:id="rId38"/>
-    <p:sldId id="300" r:id="rId39"/>
-    <p:sldId id="306" r:id="rId40"/>
-    <p:sldId id="303" r:id="rId41"/>
-    <p:sldId id="301" r:id="rId42"/>
-    <p:sldId id="322" r:id="rId43"/>
-    <p:sldId id="307" r:id="rId44"/>
-    <p:sldId id="305" r:id="rId45"/>
-    <p:sldId id="275" r:id="rId46"/>
+    <p:sldId id="272" r:id="rId16"/>
+    <p:sldId id="279" r:id="rId17"/>
+    <p:sldId id="318" r:id="rId18"/>
+    <p:sldId id="280" r:id="rId19"/>
+    <p:sldId id="282" r:id="rId20"/>
+    <p:sldId id="283" r:id="rId21"/>
+    <p:sldId id="284" r:id="rId22"/>
+    <p:sldId id="285" r:id="rId23"/>
+    <p:sldId id="286" r:id="rId24"/>
+    <p:sldId id="319" r:id="rId25"/>
+    <p:sldId id="288" r:id="rId26"/>
+    <p:sldId id="289" r:id="rId27"/>
+    <p:sldId id="290" r:id="rId28"/>
+    <p:sldId id="292" r:id="rId29"/>
+    <p:sldId id="320" r:id="rId30"/>
+    <p:sldId id="293" r:id="rId31"/>
+    <p:sldId id="294" r:id="rId32"/>
+    <p:sldId id="295" r:id="rId33"/>
+    <p:sldId id="296" r:id="rId34"/>
+    <p:sldId id="321" r:id="rId35"/>
+    <p:sldId id="298" r:id="rId36"/>
+    <p:sldId id="299" r:id="rId37"/>
+    <p:sldId id="300" r:id="rId38"/>
+    <p:sldId id="306" r:id="rId39"/>
+    <p:sldId id="303" r:id="rId40"/>
+    <p:sldId id="301" r:id="rId41"/>
+    <p:sldId id="322" r:id="rId42"/>
+    <p:sldId id="307" r:id="rId43"/>
+    <p:sldId id="305" r:id="rId44"/>
+    <p:sldId id="275" r:id="rId45"/>
   </p:sldIdLst>
   <p:sldSz cx="12192000" cy="6858000"/>
   <p:notesSz cx="6858000" cy="9144000"/>
@@ -241,7 +240,7 @@
           <a:p>
             <a:fld id="{AE803F8D-9F01-41E1-86F9-72F5676D1DDF}" type="datetimeFigureOut">
               <a:rPr lang="en-US" smtClean="0"/>
-              <a:t>23-Oct-24</a:t>
+              <a:t>24-Oct-24</a:t>
             </a:fld>
             <a:endParaRPr lang="en-US"/>
           </a:p>
@@ -615,7 +614,7 @@
           <a:p>
             <a:fld id="{D9A3203F-1278-4E9F-8051-CD7E47A36F93}" type="slidenum">
               <a:rPr lang="es-AR" smtClean="0"/>
-              <a:t>24</a:t>
+              <a:t>23</a:t>
             </a:fld>
             <a:endParaRPr lang="es-AR"/>
           </a:p>
@@ -753,7 +752,7 @@
           <a:p>
             <a:fld id="{D9A3203F-1278-4E9F-8051-CD7E47A36F93}" type="slidenum">
               <a:rPr lang="es-AR" smtClean="0"/>
-              <a:t>29</a:t>
+              <a:t>28</a:t>
             </a:fld>
             <a:endParaRPr lang="es-AR"/>
           </a:p>
@@ -869,7 +868,7 @@
           <a:p>
             <a:fld id="{D9A3203F-1278-4E9F-8051-CD7E47A36F93}" type="slidenum">
               <a:rPr lang="es-AR" smtClean="0"/>
-              <a:t>34</a:t>
+              <a:t>33</a:t>
             </a:fld>
             <a:endParaRPr lang="es-AR"/>
           </a:p>
@@ -3194,7 +3193,7 @@
             <a:fld id="{811DBDE2-B7D4-4A59-91E3-5B2EA4832412}" type="datetimeFigureOut">
               <a:rPr lang="en-ID" smtClean="0"/>
               <a:pPr/>
-              <a:t>23/10/2024</a:t>
+              <a:t>24/10/2024</a:t>
             </a:fld>
             <a:endParaRPr lang="en-ID"/>
           </a:p>
@@ -5641,146 +5640,6 @@
       </p:grpSpPr>
       <p:sp>
         <p:nvSpPr>
-          <p:cNvPr id="4" name="Title 3">
-            <a:extLst>
-              <a:ext uri="{FF2B5EF4-FFF2-40B4-BE49-F238E27FC236}">
-                <a16:creationId xmlns:a16="http://schemas.microsoft.com/office/drawing/2014/main" id="{EE7AAD6C-89B1-4B86-83B5-30CA006036CE}"/>
-              </a:ext>
-            </a:extLst>
-          </p:cNvPr>
-          <p:cNvSpPr>
-            <a:spLocks noGrp="1"/>
-          </p:cNvSpPr>
-          <p:nvPr>
-            <p:ph type="ctrTitle" idx="4294967295"/>
-          </p:nvPr>
-        </p:nvSpPr>
-        <p:spPr>
-          <a:xfrm>
-            <a:off x="4675716" y="2557825"/>
-            <a:ext cx="2840567" cy="1399117"/>
-          </a:xfrm>
-        </p:spPr>
-        <p:txBody>
-          <a:bodyPr/>
-          <a:lstStyle/>
-          <a:p>
-            <a:r>
-              <a:rPr lang="es-ES" dirty="0"/>
-              <a:t>Conceptos</a:t>
-            </a:r>
-            <a:endParaRPr lang="en-US" dirty="0"/>
-          </a:p>
-        </p:txBody>
-      </p:sp>
-      <p:sp>
-        <p:nvSpPr>
-          <p:cNvPr id="5" name="Subtitle 4">
-            <a:extLst>
-              <a:ext uri="{FF2B5EF4-FFF2-40B4-BE49-F238E27FC236}">
-                <a16:creationId xmlns:a16="http://schemas.microsoft.com/office/drawing/2014/main" id="{E0C63B7E-8979-4913-8BCF-35D18F22A41B}"/>
-              </a:ext>
-            </a:extLst>
-          </p:cNvPr>
-          <p:cNvSpPr>
-            <a:spLocks noGrp="1"/>
-          </p:cNvSpPr>
-          <p:nvPr>
-            <p:ph type="subTitle" idx="4294967295"/>
-          </p:nvPr>
-        </p:nvSpPr>
-        <p:spPr>
-          <a:xfrm>
-            <a:off x="2939716" y="4458368"/>
-            <a:ext cx="6312568" cy="618067"/>
-          </a:xfrm>
-        </p:spPr>
-        <p:txBody>
-          <a:bodyPr>
-            <a:normAutofit/>
-          </a:bodyPr>
-          <a:lstStyle/>
-          <a:p>
-            <a:r>
-              <a:rPr lang="es-ES" dirty="0" err="1"/>
-              <a:t>Pods</a:t>
-            </a:r>
-            <a:r>
-              <a:rPr lang="es-ES" dirty="0"/>
-              <a:t>, </a:t>
-            </a:r>
-            <a:r>
-              <a:rPr lang="es-ES" dirty="0" err="1"/>
-              <a:t>Deployments</a:t>
-            </a:r>
-            <a:r>
-              <a:rPr lang="es-ES" dirty="0"/>
-              <a:t>, Nodos, Volúmenes, </a:t>
-            </a:r>
-            <a:r>
-              <a:rPr lang="es-ES" dirty="0" err="1"/>
-              <a:t>ConfigMaps</a:t>
-            </a:r>
-            <a:r>
-              <a:rPr lang="es-ES" dirty="0"/>
-              <a:t>, </a:t>
-            </a:r>
-            <a:r>
-              <a:rPr lang="es-ES" dirty="0" err="1"/>
-              <a:t>Secrets</a:t>
-            </a:r>
-            <a:r>
-              <a:rPr lang="es-ES" dirty="0"/>
-              <a:t>…</a:t>
-            </a:r>
-            <a:endParaRPr lang="en-US" dirty="0"/>
-          </a:p>
-        </p:txBody>
-      </p:sp>
-    </p:spTree>
-    <p:extLst>
-      <p:ext uri="{BB962C8B-B14F-4D97-AF65-F5344CB8AC3E}">
-        <p14:creationId xmlns:p14="http://schemas.microsoft.com/office/powerpoint/2010/main" val="1902442779"/>
-      </p:ext>
-    </p:extLst>
-  </p:cSld>
-  <p:clrMapOvr>
-    <a:masterClrMapping/>
-  </p:clrMapOvr>
-  <mc:AlternateContent xmlns:mc="http://schemas.openxmlformats.org/markup-compatibility/2006" xmlns:p159="http://schemas.microsoft.com/office/powerpoint/2015/09/main">
-    <mc:Choice Requires="p159">
-      <p:transition xmlns:p14="http://schemas.microsoft.com/office/powerpoint/2010/main" spd="slow" p14:dur="2000">
-        <p159:morph option="byObject"/>
-      </p:transition>
-    </mc:Choice>
-    <mc:Fallback xmlns="">
-      <p:transition spd="slow">
-        <p:fade/>
-      </p:transition>
-    </mc:Fallback>
-  </mc:AlternateContent>
-</p:sld>
-</file>
-
-<file path=ppt/slides/slide16.xml><?xml version="1.0" encoding="utf-8"?>
-<p:sld xmlns:a="http://schemas.openxmlformats.org/drawingml/2006/main" xmlns:r="http://schemas.openxmlformats.org/officeDocument/2006/relationships" xmlns:p="http://schemas.openxmlformats.org/presentationml/2006/main">
-  <p:cSld>
-    <p:spTree>
-      <p:nvGrpSpPr>
-        <p:cNvPr id="1" name=""/>
-        <p:cNvGrpSpPr/>
-        <p:nvPr/>
-      </p:nvGrpSpPr>
-      <p:grpSpPr>
-        <a:xfrm>
-          <a:off x="0" y="0"/>
-          <a:ext cx="0" cy="0"/>
-          <a:chOff x="0" y="0"/>
-          <a:chExt cx="0" cy="0"/>
-        </a:xfrm>
-      </p:grpSpPr>
-      <p:sp>
-        <p:nvSpPr>
           <p:cNvPr id="2" name="TextBox 1">
             <a:extLst>
               <a:ext uri="{FF2B5EF4-FFF2-40B4-BE49-F238E27FC236}">
@@ -6604,7 +6463,7 @@
 </p:sld>
 </file>
 
-<file path=ppt/slides/slide17.xml><?xml version="1.0" encoding="utf-8"?>
+<file path=ppt/slides/slide16.xml><?xml version="1.0" encoding="utf-8"?>
 <p:sld xmlns:a="http://schemas.openxmlformats.org/drawingml/2006/main" xmlns:r="http://schemas.openxmlformats.org/officeDocument/2006/relationships" xmlns:p="http://schemas.openxmlformats.org/presentationml/2006/main">
   <p:cSld>
     <p:spTree>
@@ -6735,7 +6594,7 @@
 </p:sld>
 </file>
 
-<file path=ppt/slides/slide18.xml><?xml version="1.0" encoding="utf-8"?>
+<file path=ppt/slides/slide17.xml><?xml version="1.0" encoding="utf-8"?>
 <p:sld xmlns:a="http://schemas.openxmlformats.org/drawingml/2006/main" xmlns:r="http://schemas.openxmlformats.org/officeDocument/2006/relationships" xmlns:p="http://schemas.openxmlformats.org/presentationml/2006/main">
   <p:cSld>
     <p:spTree>
@@ -6946,7 +6805,7 @@
 </p:sld>
 </file>
 
-<file path=ppt/slides/slide19.xml><?xml version="1.0" encoding="utf-8"?>
+<file path=ppt/slides/slide18.xml><?xml version="1.0" encoding="utf-8"?>
 <p:sld xmlns:a="http://schemas.openxmlformats.org/drawingml/2006/main" xmlns:r="http://schemas.openxmlformats.org/officeDocument/2006/relationships" xmlns:p="http://schemas.openxmlformats.org/presentationml/2006/main">
   <p:cSld>
     <p:spTree>
@@ -7017,6 +6876,143 @@
 </p:sld>
 </file>
 
+<file path=ppt/slides/slide19.xml><?xml version="1.0" encoding="utf-8"?>
+<p:sld xmlns:a="http://schemas.openxmlformats.org/drawingml/2006/main" xmlns:r="http://schemas.openxmlformats.org/officeDocument/2006/relationships" xmlns:p="http://schemas.openxmlformats.org/presentationml/2006/main">
+  <p:cSld>
+    <p:spTree>
+      <p:nvGrpSpPr>
+        <p:cNvPr id="1" name=""/>
+        <p:cNvGrpSpPr/>
+        <p:nvPr/>
+      </p:nvGrpSpPr>
+      <p:grpSpPr>
+        <a:xfrm>
+          <a:off x="0" y="0"/>
+          <a:ext cx="0" cy="0"/>
+          <a:chOff x="0" y="0"/>
+          <a:chExt cx="0" cy="0"/>
+        </a:xfrm>
+      </p:grpSpPr>
+      <p:sp>
+        <p:nvSpPr>
+          <p:cNvPr id="2" name="Title 1">
+            <a:extLst>
+              <a:ext uri="{FF2B5EF4-FFF2-40B4-BE49-F238E27FC236}">
+                <a16:creationId xmlns:a16="http://schemas.microsoft.com/office/drawing/2014/main" id="{3939C7DC-68A8-4840-9070-F0F3243E015E}"/>
+              </a:ext>
+            </a:extLst>
+          </p:cNvPr>
+          <p:cNvSpPr>
+            <a:spLocks noGrp="1"/>
+          </p:cNvSpPr>
+          <p:nvPr>
+            <p:ph type="title"/>
+          </p:nvPr>
+        </p:nvSpPr>
+        <p:spPr/>
+        <p:txBody>
+          <a:bodyPr/>
+          <a:lstStyle/>
+          <a:p>
+            <a:r>
+              <a:rPr lang="es-ES" dirty="0" err="1"/>
+              <a:t>Pod</a:t>
+            </a:r>
+            <a:endParaRPr lang="en-US" dirty="0"/>
+          </a:p>
+        </p:txBody>
+      </p:sp>
+      <p:sp>
+        <p:nvSpPr>
+          <p:cNvPr id="3" name="Content Placeholder 2">
+            <a:extLst>
+              <a:ext uri="{FF2B5EF4-FFF2-40B4-BE49-F238E27FC236}">
+                <a16:creationId xmlns:a16="http://schemas.microsoft.com/office/drawing/2014/main" id="{054B1E54-FD2D-4A61-9435-0D035264ACA0}"/>
+              </a:ext>
+            </a:extLst>
+          </p:cNvPr>
+          <p:cNvSpPr>
+            <a:spLocks noGrp="1"/>
+          </p:cNvSpPr>
+          <p:nvPr>
+            <p:ph sz="half" idx="10"/>
+          </p:nvPr>
+        </p:nvSpPr>
+        <p:spPr/>
+        <p:txBody>
+          <a:bodyPr/>
+          <a:lstStyle/>
+          <a:p>
+            <a:r>
+              <a:rPr lang="es-ES" dirty="0"/>
+              <a:t>Es el objeto más pequeño de K8s</a:t>
+            </a:r>
+          </a:p>
+          <a:p>
+            <a:r>
+              <a:rPr lang="es-ES" dirty="0"/>
+              <a:t>Es una “caja” donde se ejecutan uno o más container</a:t>
+            </a:r>
+          </a:p>
+          <a:p>
+            <a:r>
+              <a:rPr lang="es-ES" dirty="0"/>
+              <a:t>No puede ser accedido desde el exterior</a:t>
+            </a:r>
+          </a:p>
+          <a:p>
+            <a:r>
+              <a:rPr lang="es-ES" dirty="0"/>
+              <a:t>Es “similar” a un </a:t>
+            </a:r>
+            <a:r>
+              <a:rPr lang="es-ES" dirty="0" err="1"/>
+              <a:t>docker-compose</a:t>
+            </a:r>
+            <a:endParaRPr lang="es-ES" dirty="0"/>
+          </a:p>
+          <a:p>
+            <a:r>
+              <a:rPr lang="es-ES" dirty="0"/>
+              <a:t>Su vida es efímera (debemos tener en cuenta esto)</a:t>
+            </a:r>
+          </a:p>
+          <a:p>
+            <a:r>
+              <a:rPr lang="es-ES" dirty="0"/>
+              <a:t>Tiene su propio ID, IP, Memoria y referencia a Volúmenes</a:t>
+            </a:r>
+          </a:p>
+          <a:p>
+            <a:endParaRPr lang="en-US" dirty="0"/>
+          </a:p>
+        </p:txBody>
+      </p:sp>
+    </p:spTree>
+    <p:extLst>
+      <p:ext uri="{BB962C8B-B14F-4D97-AF65-F5344CB8AC3E}">
+        <p14:creationId xmlns:p14="http://schemas.microsoft.com/office/powerpoint/2010/main" val="2612797048"/>
+      </p:ext>
+    </p:extLst>
+  </p:cSld>
+  <p:clrMapOvr>
+    <a:masterClrMapping/>
+  </p:clrMapOvr>
+  <mc:AlternateContent xmlns:mc="http://schemas.openxmlformats.org/markup-compatibility/2006" xmlns:p159="http://schemas.microsoft.com/office/powerpoint/2015/09/main">
+    <mc:Choice Requires="p159">
+      <p:transition xmlns:p14="http://schemas.microsoft.com/office/powerpoint/2010/main" spd="slow" p14:dur="2000">
+        <p159:morph option="byObject"/>
+      </p:transition>
+    </mc:Choice>
+    <mc:Fallback xmlns="">
+      <p:transition spd="slow">
+        <p:fade/>
+      </p:transition>
+    </mc:Fallback>
+  </mc:AlternateContent>
+</p:sld>
+</file>
+
 <file path=ppt/slides/slide2.xml><?xml version="1.0" encoding="utf-8"?>
 <p:sld xmlns:a="http://schemas.openxmlformats.org/drawingml/2006/main" xmlns:r="http://schemas.openxmlformats.org/officeDocument/2006/relationships" xmlns:p="http://schemas.openxmlformats.org/presentationml/2006/main">
   <p:cSld>
@@ -7234,6 +7230,41 @@
           </a:p>
         </p:txBody>
       </p:sp>
+      <p:sp>
+        <p:nvSpPr>
+          <p:cNvPr id="3" name="TextBox 2">
+            <a:extLst>
+              <a:ext uri="{FF2B5EF4-FFF2-40B4-BE49-F238E27FC236}">
+                <a16:creationId xmlns:a16="http://schemas.microsoft.com/office/drawing/2014/main" id="{2E97A428-2503-C6BF-94DC-DCABDED6733E}"/>
+              </a:ext>
+            </a:extLst>
+          </p:cNvPr>
+          <p:cNvSpPr txBox="1"/>
+          <p:nvPr/>
+        </p:nvSpPr>
+        <p:spPr>
+          <a:xfrm>
+            <a:off x="5065878" y="5037586"/>
+            <a:ext cx="2060244" cy="369332"/>
+          </a:xfrm>
+          <a:prstGeom prst="rect">
+            <a:avLst/>
+          </a:prstGeom>
+          <a:noFill/>
+        </p:spPr>
+        <p:txBody>
+          <a:bodyPr wrap="none" rtlCol="0">
+            <a:spAutoFit/>
+          </a:bodyPr>
+          <a:lstStyle/>
+          <a:p>
+            <a:r>
+              <a:rPr lang="en-US" dirty="0"/>
+              <a:t>Leonardo Micheloni</a:t>
+            </a:r>
+          </a:p>
+        </p:txBody>
+      </p:sp>
     </p:spTree>
     <p:extLst>
       <p:ext uri="{BB962C8B-B14F-4D97-AF65-F5344CB8AC3E}">
@@ -7266,103 +7297,80 @@
       </p:grpSpPr>
       <p:sp>
         <p:nvSpPr>
-          <p:cNvPr id="2" name="Title 1">
-            <a:extLst>
-              <a:ext uri="{FF2B5EF4-FFF2-40B4-BE49-F238E27FC236}">
-                <a16:creationId xmlns:a16="http://schemas.microsoft.com/office/drawing/2014/main" id="{3939C7DC-68A8-4840-9070-F0F3243E015E}"/>
-              </a:ext>
-            </a:extLst>
-          </p:cNvPr>
-          <p:cNvSpPr>
-            <a:spLocks noGrp="1"/>
-          </p:cNvSpPr>
-          <p:nvPr>
-            <p:ph type="title"/>
-          </p:nvPr>
+          <p:cNvPr id="4" name="TextBox 3">
+            <a:extLst>
+              <a:ext uri="{FF2B5EF4-FFF2-40B4-BE49-F238E27FC236}">
+                <a16:creationId xmlns:a16="http://schemas.microsoft.com/office/drawing/2014/main" id="{0E45267C-2E4D-4DE8-A640-40E42BF7BC78}"/>
+              </a:ext>
+            </a:extLst>
+          </p:cNvPr>
+          <p:cNvSpPr txBox="1"/>
+          <p:nvPr/>
         </p:nvSpPr>
-        <p:spPr/>
+        <p:spPr>
+          <a:xfrm>
+            <a:off x="2155372" y="2997927"/>
+            <a:ext cx="7881257" cy="666786"/>
+          </a:xfrm>
+          <a:prstGeom prst="rect">
+            <a:avLst/>
+          </a:prstGeom>
+          <a:noFill/>
+        </p:spPr>
         <p:txBody>
-          <a:bodyPr/>
+          <a:bodyPr wrap="square" rtlCol="0">
+            <a:spAutoFit/>
+          </a:bodyPr>
           <a:lstStyle/>
           <a:p>
             <a:r>
-              <a:rPr lang="es-ES" dirty="0" err="1"/>
-              <a:t>Pod</a:t>
-            </a:r>
-            <a:endParaRPr lang="en-US" dirty="0"/>
-          </a:p>
-        </p:txBody>
-      </p:sp>
-      <p:sp>
-        <p:nvSpPr>
-          <p:cNvPr id="3" name="Content Placeholder 2">
-            <a:extLst>
-              <a:ext uri="{FF2B5EF4-FFF2-40B4-BE49-F238E27FC236}">
-                <a16:creationId xmlns:a16="http://schemas.microsoft.com/office/drawing/2014/main" id="{054B1E54-FD2D-4A61-9435-0D035264ACA0}"/>
-              </a:ext>
-            </a:extLst>
-          </p:cNvPr>
-          <p:cNvSpPr>
-            <a:spLocks noGrp="1"/>
-          </p:cNvSpPr>
-          <p:nvPr>
-            <p:ph sz="half" idx="10"/>
-          </p:nvPr>
-        </p:nvSpPr>
-        <p:spPr/>
-        <p:txBody>
-          <a:bodyPr/>
-          <a:lstStyle/>
-          <a:p>
-            <a:r>
-              <a:rPr lang="es-ES" dirty="0"/>
-              <a:t>Es el objeto más pequeño de K8s</a:t>
-            </a:r>
-          </a:p>
-          <a:p>
-            <a:r>
-              <a:rPr lang="es-ES" dirty="0"/>
-              <a:t>Es una “caja” donde se ejecutan uno o más container</a:t>
-            </a:r>
-          </a:p>
-          <a:p>
-            <a:r>
-              <a:rPr lang="es-ES" dirty="0"/>
-              <a:t>No puede ser accedido desde el exterior</a:t>
-            </a:r>
-          </a:p>
-          <a:p>
-            <a:r>
-              <a:rPr lang="es-ES" dirty="0"/>
-              <a:t>Es “similar” a un </a:t>
-            </a:r>
-            <a:r>
-              <a:rPr lang="es-ES" dirty="0" err="1"/>
-              <a:t>docker-compose</a:t>
-            </a:r>
-            <a:endParaRPr lang="es-ES" dirty="0"/>
-          </a:p>
-          <a:p>
-            <a:r>
-              <a:rPr lang="es-ES" dirty="0"/>
-              <a:t>Su vida es efímera (debemos tener en cuenta esto)</a:t>
-            </a:r>
-          </a:p>
-          <a:p>
-            <a:r>
-              <a:rPr lang="es-ES" dirty="0"/>
-              <a:t>Tiene su propio ID, IP, Memoria y referencia a Volúmenes</a:t>
-            </a:r>
-          </a:p>
-          <a:p>
-            <a:endParaRPr lang="en-US" dirty="0"/>
+              <a:rPr lang="es-ES" sz="3733" dirty="0"/>
+              <a:t>YAML </a:t>
+            </a:r>
+            <a:r>
+              <a:rPr lang="es-ES" sz="3733" dirty="0" err="1"/>
+              <a:t>is</a:t>
+            </a:r>
+            <a:r>
+              <a:rPr lang="es-ES" sz="3733" dirty="0"/>
+              <a:t> </a:t>
+            </a:r>
+            <a:r>
+              <a:rPr lang="es-ES" sz="3733" dirty="0" err="1"/>
+              <a:t>the</a:t>
+            </a:r>
+            <a:r>
+              <a:rPr lang="es-ES" sz="3733" dirty="0"/>
+              <a:t> new </a:t>
+            </a:r>
+            <a:r>
+              <a:rPr lang="es-ES" sz="3733" strike="sngStrike" dirty="0"/>
+              <a:t>JSON</a:t>
+            </a:r>
+            <a:r>
+              <a:rPr lang="es-ES" sz="3733" dirty="0"/>
+              <a:t> </a:t>
+            </a:r>
+            <a:r>
+              <a:rPr lang="es-ES" sz="3733" strike="sngStrike" dirty="0"/>
+              <a:t>XML</a:t>
+            </a:r>
+            <a:r>
+              <a:rPr lang="es-ES" sz="3733" dirty="0"/>
+              <a:t> </a:t>
+            </a:r>
+            <a:r>
+              <a:rPr lang="es-ES" sz="3733" dirty="0" err="1"/>
+              <a:t>black</a:t>
+            </a:r>
+            <a:endParaRPr lang="en-US" sz="3733" dirty="0"/>
           </a:p>
         </p:txBody>
       </p:sp>
     </p:spTree>
     <p:extLst>
       <p:ext uri="{BB962C8B-B14F-4D97-AF65-F5344CB8AC3E}">
-        <p14:creationId xmlns:p14="http://schemas.microsoft.com/office/powerpoint/2010/main" val="2612797048"/>
+        <p14:creationId xmlns:p14="http://schemas.microsoft.com/office/powerpoint/2010/main" val="1626448533"/>
       </p:ext>
     </p:extLst>
   </p:cSld>
@@ -7403,80 +7411,213 @@
       </p:grpSpPr>
       <p:sp>
         <p:nvSpPr>
-          <p:cNvPr id="4" name="TextBox 3">
-            <a:extLst>
-              <a:ext uri="{FF2B5EF4-FFF2-40B4-BE49-F238E27FC236}">
-                <a16:creationId xmlns:a16="http://schemas.microsoft.com/office/drawing/2014/main" id="{0E45267C-2E4D-4DE8-A640-40E42BF7BC78}"/>
-              </a:ext>
-            </a:extLst>
-          </p:cNvPr>
-          <p:cNvSpPr txBox="1"/>
-          <p:nvPr/>
+          <p:cNvPr id="2" name="Title 1">
+            <a:extLst>
+              <a:ext uri="{FF2B5EF4-FFF2-40B4-BE49-F238E27FC236}">
+                <a16:creationId xmlns:a16="http://schemas.microsoft.com/office/drawing/2014/main" id="{B7BD9149-B7C4-411F-B421-08C5B4812AA3}"/>
+              </a:ext>
+            </a:extLst>
+          </p:cNvPr>
+          <p:cNvSpPr>
+            <a:spLocks noGrp="1"/>
+          </p:cNvSpPr>
+          <p:nvPr>
+            <p:ph type="title"/>
+          </p:nvPr>
         </p:nvSpPr>
-        <p:spPr>
-          <a:xfrm>
-            <a:off x="2155372" y="2997927"/>
-            <a:ext cx="7881257" cy="666786"/>
-          </a:xfrm>
-          <a:prstGeom prst="rect">
-            <a:avLst/>
-          </a:prstGeom>
-          <a:noFill/>
-        </p:spPr>
+        <p:spPr/>
         <p:txBody>
-          <a:bodyPr wrap="square" rtlCol="0">
-            <a:spAutoFit/>
-          </a:bodyPr>
+          <a:bodyPr/>
           <a:lstStyle/>
           <a:p>
             <a:r>
-              <a:rPr lang="es-ES" sz="3733" dirty="0"/>
-              <a:t>YAML </a:t>
-            </a:r>
-            <a:r>
-              <a:rPr lang="es-ES" sz="3733" dirty="0" err="1"/>
-              <a:t>is</a:t>
-            </a:r>
-            <a:r>
-              <a:rPr lang="es-ES" sz="3733" dirty="0"/>
+              <a:rPr lang="es-ES" dirty="0" err="1"/>
+              <a:t>Pods</a:t>
+            </a:r>
+            <a:r>
+              <a:rPr lang="es-ES" dirty="0"/>
               <a:t> </a:t>
             </a:r>
             <a:r>
-              <a:rPr lang="es-ES" sz="3733" dirty="0" err="1"/>
-              <a:t>the</a:t>
-            </a:r>
-            <a:r>
-              <a:rPr lang="es-ES" sz="3733" dirty="0"/>
-              <a:t> new </a:t>
-            </a:r>
-            <a:r>
-              <a:rPr lang="es-ES" sz="3733" strike="sngStrike" dirty="0"/>
-              <a:t>JSON</a:t>
-            </a:r>
-            <a:r>
-              <a:rPr lang="es-ES" sz="3733" dirty="0"/>
+              <a:rPr lang="es-ES" dirty="0" err="1"/>
+              <a:t>health</a:t>
+            </a:r>
+            <a:endParaRPr lang="en-US" dirty="0"/>
+          </a:p>
+        </p:txBody>
+      </p:sp>
+      <p:sp>
+        <p:nvSpPr>
+          <p:cNvPr id="3" name="Content Placeholder 2">
+            <a:extLst>
+              <a:ext uri="{FF2B5EF4-FFF2-40B4-BE49-F238E27FC236}">
+                <a16:creationId xmlns:a16="http://schemas.microsoft.com/office/drawing/2014/main" id="{D0EAFB9D-67BB-4E4C-B777-0E9AF7A990A3}"/>
+              </a:ext>
+            </a:extLst>
+          </p:cNvPr>
+          <p:cNvSpPr>
+            <a:spLocks noGrp="1"/>
+          </p:cNvSpPr>
+          <p:nvPr>
+            <p:ph sz="half" idx="10"/>
+          </p:nvPr>
+        </p:nvSpPr>
+        <p:spPr/>
+        <p:txBody>
+          <a:bodyPr/>
+          <a:lstStyle/>
+          <a:p>
+            <a:pPr marL="0" indent="0">
+              <a:buNone/>
+            </a:pPr>
+            <a:r>
+              <a:rPr lang="es-ES" dirty="0"/>
+              <a:t>Para que K8s sepa el estado de un </a:t>
+            </a:r>
+            <a:r>
+              <a:rPr lang="es-ES" dirty="0" err="1"/>
+              <a:t>Pod</a:t>
+            </a:r>
+            <a:r>
+              <a:rPr lang="es-ES" dirty="0"/>
+              <a:t> existen formas de indicarle</a:t>
+            </a:r>
+          </a:p>
+          <a:p>
+            <a:r>
+              <a:rPr lang="es-ES" b="1" dirty="0" err="1"/>
+              <a:t>Readiness</a:t>
+            </a:r>
+            <a:r>
+              <a:rPr lang="es-ES" b="1" dirty="0"/>
               <a:t> </a:t>
             </a:r>
             <a:r>
-              <a:rPr lang="es-ES" sz="3733" strike="sngStrike" dirty="0"/>
-              <a:t>XML</a:t>
-            </a:r>
-            <a:r>
-              <a:rPr lang="es-ES" sz="3733" dirty="0"/>
+              <a:rPr lang="es-ES" b="1" dirty="0" err="1"/>
+              <a:t>probe</a:t>
+            </a:r>
+            <a:r>
+              <a:rPr lang="es-ES" dirty="0"/>
+              <a:t>: En qué momento está listo el container</a:t>
+            </a:r>
+          </a:p>
+          <a:p>
+            <a:r>
+              <a:rPr lang="es-ES" b="1" dirty="0" err="1"/>
+              <a:t>Liveness</a:t>
+            </a:r>
+            <a:r>
+              <a:rPr lang="es-ES" dirty="0"/>
+              <a:t>: Cómo saber si funciona</a:t>
+            </a:r>
+          </a:p>
+          <a:p>
+            <a:r>
+              <a:rPr lang="es-ES" b="1" dirty="0" err="1"/>
+              <a:t>StartupProbe</a:t>
+            </a:r>
+            <a:r>
+              <a:rPr lang="es-ES" dirty="0"/>
+              <a:t>: Cómo saber que la aplicación del container ha iniciado</a:t>
+            </a:r>
+          </a:p>
+          <a:p>
+            <a:pPr marL="0" indent="0">
+              <a:buNone/>
+            </a:pPr>
+            <a:endParaRPr lang="en-US" dirty="0"/>
+          </a:p>
+          <a:p>
+            <a:pPr marL="0" indent="0">
+              <a:buNone/>
+            </a:pPr>
+            <a:r>
+              <a:rPr lang="en-US" dirty="0" err="1"/>
+              <a:t>Estos</a:t>
+            </a:r>
+            <a:r>
+              <a:rPr lang="en-US" dirty="0"/>
               <a:t> </a:t>
             </a:r>
             <a:r>
-              <a:rPr lang="es-ES" sz="3733" dirty="0" err="1"/>
-              <a:t>black</a:t>
-            </a:r>
-            <a:endParaRPr lang="en-US" sz="3733" dirty="0"/>
+              <a:rPr lang="en-US" dirty="0" err="1"/>
+              <a:t>mecanismo</a:t>
+            </a:r>
+            <a:r>
+              <a:rPr lang="en-US" dirty="0"/>
+              <a:t> se </a:t>
+            </a:r>
+            <a:r>
+              <a:rPr lang="en-US" dirty="0" err="1"/>
+              <a:t>utilizan</a:t>
+            </a:r>
+            <a:r>
+              <a:rPr lang="en-US" dirty="0"/>
+              <a:t> para </a:t>
+            </a:r>
+            <a:r>
+              <a:rPr lang="en-US" dirty="0" err="1"/>
+              <a:t>varias</a:t>
+            </a:r>
+            <a:r>
+              <a:rPr lang="en-US" dirty="0"/>
+              <a:t> </a:t>
+            </a:r>
+            <a:r>
+              <a:rPr lang="en-US" dirty="0" err="1"/>
+              <a:t>cosas</a:t>
+            </a:r>
+            <a:r>
+              <a:rPr lang="en-US" dirty="0"/>
+              <a:t>, </a:t>
+            </a:r>
+            <a:r>
+              <a:rPr lang="en-US" dirty="0" err="1"/>
+              <a:t>como</a:t>
+            </a:r>
+            <a:r>
+              <a:rPr lang="en-US" dirty="0"/>
+              <a:t> el </a:t>
+            </a:r>
+            <a:r>
+              <a:rPr lang="en-US" dirty="0" err="1"/>
+              <a:t>balanceo</a:t>
+            </a:r>
+            <a:r>
+              <a:rPr lang="en-US" dirty="0"/>
+              <a:t> de cargas, la </a:t>
+            </a:r>
+            <a:r>
+              <a:rPr lang="en-US" dirty="0" err="1"/>
+              <a:t>actualizaciones</a:t>
+            </a:r>
+            <a:r>
+              <a:rPr lang="en-US" dirty="0"/>
+              <a:t>, la </a:t>
+            </a:r>
+            <a:r>
+              <a:rPr lang="en-US" dirty="0" err="1"/>
+              <a:t>escalabilidad</a:t>
+            </a:r>
+            <a:r>
+              <a:rPr lang="en-US" dirty="0"/>
+              <a:t>, la </a:t>
+            </a:r>
+            <a:r>
+              <a:rPr lang="en-US" dirty="0" err="1"/>
+              <a:t>resilencia</a:t>
+            </a:r>
+            <a:r>
+              <a:rPr lang="en-US" dirty="0"/>
+              <a:t>, etc.</a:t>
+            </a:r>
           </a:p>
         </p:txBody>
       </p:sp>
     </p:spTree>
     <p:extLst>
       <p:ext uri="{BB962C8B-B14F-4D97-AF65-F5344CB8AC3E}">
-        <p14:creationId xmlns:p14="http://schemas.microsoft.com/office/powerpoint/2010/main" val="1626448533"/>
+        <p14:creationId xmlns:p14="http://schemas.microsoft.com/office/powerpoint/2010/main" val="623798481"/>
       </p:ext>
     </p:extLst>
   </p:cSld>
@@ -7520,7 +7661,7 @@
           <p:cNvPr id="2" name="Title 1">
             <a:extLst>
               <a:ext uri="{FF2B5EF4-FFF2-40B4-BE49-F238E27FC236}">
-                <a16:creationId xmlns:a16="http://schemas.microsoft.com/office/drawing/2014/main" id="{B7BD9149-B7C4-411F-B421-08C5B4812AA3}"/>
+                <a16:creationId xmlns:a16="http://schemas.microsoft.com/office/drawing/2014/main" id="{2CB3C5C7-8832-4844-A485-A8CE25893588}"/>
               </a:ext>
             </a:extLst>
           </p:cNvPr>
@@ -7548,6 +7689,14 @@
               <a:rPr lang="es-ES" dirty="0" err="1"/>
               <a:t>health</a:t>
             </a:r>
+            <a:r>
+              <a:rPr lang="es-ES" dirty="0"/>
+              <a:t> / </a:t>
+            </a:r>
+            <a:r>
+              <a:rPr lang="es-ES" dirty="0" err="1"/>
+              <a:t>handlers</a:t>
+            </a:r>
             <a:endParaRPr lang="en-US" dirty="0"/>
           </a:p>
         </p:txBody>
@@ -7557,7 +7706,7 @@
           <p:cNvPr id="3" name="Content Placeholder 2">
             <a:extLst>
               <a:ext uri="{FF2B5EF4-FFF2-40B4-BE49-F238E27FC236}">
-                <a16:creationId xmlns:a16="http://schemas.microsoft.com/office/drawing/2014/main" id="{D0EAFB9D-67BB-4E4C-B777-0E9AF7A990A3}"/>
+                <a16:creationId xmlns:a16="http://schemas.microsoft.com/office/drawing/2014/main" id="{B214BDCC-D0FC-4145-B2B2-87A11265D19F}"/>
               </a:ext>
             </a:extLst>
           </p:cNvPr>
@@ -7573,12 +7722,55 @@
           <a:bodyPr/>
           <a:lstStyle/>
           <a:p>
-            <a:pPr marL="0" indent="0">
-              <a:buNone/>
-            </a:pPr>
+            <a:r>
+              <a:rPr lang="es-ES" b="1" dirty="0" err="1"/>
+              <a:t>ExecAction</a:t>
+            </a:r>
             <a:r>
               <a:rPr lang="es-ES" dirty="0"/>
-              <a:t>Para que K8s sepa el estado de un </a:t>
+              <a:t>: Ejecuta un </a:t>
+            </a:r>
+            <a:r>
+              <a:rPr lang="es-ES" dirty="0" err="1"/>
+              <a:t>commando</a:t>
+            </a:r>
+            <a:r>
+              <a:rPr lang="es-ES" dirty="0"/>
+              <a:t> dentro del container. Se considera </a:t>
+            </a:r>
+            <a:r>
+              <a:rPr lang="es-ES" dirty="0" err="1"/>
+              <a:t>existoso</a:t>
+            </a:r>
+            <a:r>
+              <a:rPr lang="es-ES" dirty="0"/>
+              <a:t> si retorna status </a:t>
+            </a:r>
+            <a:r>
+              <a:rPr lang="es-ES" dirty="0" err="1"/>
+              <a:t>code</a:t>
+            </a:r>
+            <a:r>
+              <a:rPr lang="es-ES" dirty="0"/>
+              <a:t> 0.</a:t>
+            </a:r>
+          </a:p>
+          <a:p>
+            <a:r>
+              <a:rPr lang="es-ES" b="1" dirty="0" err="1"/>
+              <a:t>TCPSocketAction</a:t>
+            </a:r>
+            <a:r>
+              <a:rPr lang="es-ES" dirty="0"/>
+              <a:t>: Ejecuta en TCP </a:t>
+            </a:r>
+            <a:r>
+              <a:rPr lang="es-ES" dirty="0" err="1"/>
+              <a:t>Check</a:t>
+            </a:r>
+            <a:r>
+              <a:rPr lang="es-ES" dirty="0"/>
+              <a:t> contra la IP del </a:t>
             </a:r>
             <a:r>
               <a:rPr lang="es-ES" dirty="0" err="1"/>
@@ -7586,144 +7778,68 @@
             </a:r>
             <a:r>
               <a:rPr lang="es-ES" dirty="0"/>
-              <a:t> existen formas de indicarle</a:t>
+              <a:t> sobre un puerto específico. Se considera </a:t>
+            </a:r>
+            <a:r>
+              <a:rPr lang="es-ES" dirty="0" err="1"/>
+              <a:t>existoso</a:t>
+            </a:r>
+            <a:r>
+              <a:rPr lang="es-ES" dirty="0"/>
+              <a:t> si el puerto responde.</a:t>
             </a:r>
           </a:p>
           <a:p>
             <a:r>
               <a:rPr lang="es-ES" b="1" dirty="0" err="1"/>
-              <a:t>Readiness</a:t>
-            </a:r>
-            <a:r>
-              <a:rPr lang="es-ES" b="1" dirty="0"/>
-              <a:t> </a:t>
-            </a:r>
-            <a:r>
-              <a:rPr lang="es-ES" b="1" dirty="0" err="1"/>
-              <a:t>probe</a:t>
+              <a:t>HTTPGetAction</a:t>
             </a:r>
             <a:r>
               <a:rPr lang="es-ES" dirty="0"/>
-              <a:t>: En qué momento está listo el container</a:t>
-            </a:r>
-          </a:p>
-          <a:p>
-            <a:r>
-              <a:rPr lang="es-ES" b="1" dirty="0" err="1"/>
-              <a:t>Liveness</a:t>
+              <a:t>: Ejecuta en HTTP </a:t>
+            </a:r>
+            <a:r>
+              <a:rPr lang="es-ES" dirty="0" err="1"/>
+              <a:t>Get</a:t>
             </a:r>
             <a:r>
               <a:rPr lang="es-ES" dirty="0"/>
-              <a:t>: Cómo saber si funciona</a:t>
-            </a:r>
-          </a:p>
-          <a:p>
-            <a:r>
-              <a:rPr lang="es-ES" b="1" dirty="0" err="1"/>
-              <a:t>StartupProbe</a:t>
+              <a:t> contra el </a:t>
+            </a:r>
+            <a:r>
+              <a:rPr lang="es-ES" dirty="0" err="1"/>
+              <a:t>Pods</a:t>
             </a:r>
             <a:r>
               <a:rPr lang="es-ES" dirty="0"/>
-              <a:t>: Cómo saber que la aplicación del container ha iniciado</a:t>
-            </a:r>
-          </a:p>
-          <a:p>
-            <a:pPr marL="0" indent="0">
-              <a:buNone/>
-            </a:pPr>
+              <a:t> sobre un Puerto y </a:t>
+            </a:r>
+            <a:r>
+              <a:rPr lang="es-ES" dirty="0" err="1"/>
+              <a:t>path</a:t>
+            </a:r>
+            <a:r>
+              <a:rPr lang="es-ES" dirty="0"/>
+              <a:t> específico. Se considera exitoso si el status </a:t>
+            </a:r>
+            <a:r>
+              <a:rPr lang="es-ES" dirty="0" err="1"/>
+              <a:t>code</a:t>
+            </a:r>
+            <a:r>
+              <a:rPr lang="es-ES" dirty="0"/>
+              <a:t> es &gt;=200 y &lt; 400.</a:t>
+            </a:r>
+          </a:p>
+          <a:p>
             <a:endParaRPr lang="en-US" dirty="0"/>
-          </a:p>
-          <a:p>
-            <a:pPr marL="0" indent="0">
-              <a:buNone/>
-            </a:pPr>
-            <a:r>
-              <a:rPr lang="en-US" dirty="0" err="1"/>
-              <a:t>Estos</a:t>
-            </a:r>
-            <a:r>
-              <a:rPr lang="en-US" dirty="0"/>
-              <a:t> </a:t>
-            </a:r>
-            <a:r>
-              <a:rPr lang="en-US" dirty="0" err="1"/>
-              <a:t>mecanismo</a:t>
-            </a:r>
-            <a:r>
-              <a:rPr lang="en-US" dirty="0"/>
-              <a:t> se </a:t>
-            </a:r>
-            <a:r>
-              <a:rPr lang="en-US" dirty="0" err="1"/>
-              <a:t>utilizan</a:t>
-            </a:r>
-            <a:r>
-              <a:rPr lang="en-US" dirty="0"/>
-              <a:t> para </a:t>
-            </a:r>
-            <a:r>
-              <a:rPr lang="en-US" dirty="0" err="1"/>
-              <a:t>varias</a:t>
-            </a:r>
-            <a:r>
-              <a:rPr lang="en-US" dirty="0"/>
-              <a:t> </a:t>
-            </a:r>
-            <a:r>
-              <a:rPr lang="en-US" dirty="0" err="1"/>
-              <a:t>cosas</a:t>
-            </a:r>
-            <a:r>
-              <a:rPr lang="en-US" dirty="0"/>
-              <a:t>, </a:t>
-            </a:r>
-            <a:r>
-              <a:rPr lang="en-US" dirty="0" err="1"/>
-              <a:t>como</a:t>
-            </a:r>
-            <a:r>
-              <a:rPr lang="en-US" dirty="0"/>
-              <a:t> el </a:t>
-            </a:r>
-            <a:r>
-              <a:rPr lang="en-US" dirty="0" err="1"/>
-              <a:t>balanceo</a:t>
-            </a:r>
-            <a:r>
-              <a:rPr lang="en-US" dirty="0"/>
-              <a:t> de cargas, la </a:t>
-            </a:r>
-            <a:r>
-              <a:rPr lang="en-US" dirty="0" err="1"/>
-              <a:t>actualizaciones</a:t>
-            </a:r>
-            <a:r>
-              <a:rPr lang="en-US" dirty="0"/>
-              <a:t>, la </a:t>
-            </a:r>
-            <a:r>
-              <a:rPr lang="en-US" dirty="0" err="1"/>
-              <a:t>escalabilidad</a:t>
-            </a:r>
-            <a:r>
-              <a:rPr lang="en-US" dirty="0"/>
-              <a:t>, la </a:t>
-            </a:r>
-            <a:r>
-              <a:rPr lang="en-US" dirty="0" err="1"/>
-              <a:t>resilencia</a:t>
-            </a:r>
-            <a:r>
-              <a:rPr lang="en-US" dirty="0"/>
-              <a:t>, etc.</a:t>
-            </a:r>
           </a:p>
         </p:txBody>
       </p:sp>
     </p:spTree>
     <p:extLst>
       <p:ext uri="{BB962C8B-B14F-4D97-AF65-F5344CB8AC3E}">
-        <p14:creationId xmlns:p14="http://schemas.microsoft.com/office/powerpoint/2010/main" val="623798481"/>
+        <p14:creationId xmlns:p14="http://schemas.microsoft.com/office/powerpoint/2010/main" val="3276026377"/>
       </p:ext>
     </p:extLst>
   </p:cSld>
@@ -7764,228 +7880,6 @@
       </p:grpSpPr>
       <p:sp>
         <p:nvSpPr>
-          <p:cNvPr id="2" name="Title 1">
-            <a:extLst>
-              <a:ext uri="{FF2B5EF4-FFF2-40B4-BE49-F238E27FC236}">
-                <a16:creationId xmlns:a16="http://schemas.microsoft.com/office/drawing/2014/main" id="{2CB3C5C7-8832-4844-A485-A8CE25893588}"/>
-              </a:ext>
-            </a:extLst>
-          </p:cNvPr>
-          <p:cNvSpPr>
-            <a:spLocks noGrp="1"/>
-          </p:cNvSpPr>
-          <p:nvPr>
-            <p:ph type="title"/>
-          </p:nvPr>
-        </p:nvSpPr>
-        <p:spPr/>
-        <p:txBody>
-          <a:bodyPr/>
-          <a:lstStyle/>
-          <a:p>
-            <a:r>
-              <a:rPr lang="es-ES" dirty="0" err="1"/>
-              <a:t>Pods</a:t>
-            </a:r>
-            <a:r>
-              <a:rPr lang="es-ES" dirty="0"/>
-              <a:t> </a:t>
-            </a:r>
-            <a:r>
-              <a:rPr lang="es-ES" dirty="0" err="1"/>
-              <a:t>health</a:t>
-            </a:r>
-            <a:r>
-              <a:rPr lang="es-ES" dirty="0"/>
-              <a:t> / </a:t>
-            </a:r>
-            <a:r>
-              <a:rPr lang="es-ES" dirty="0" err="1"/>
-              <a:t>handlers</a:t>
-            </a:r>
-            <a:endParaRPr lang="en-US" dirty="0"/>
-          </a:p>
-        </p:txBody>
-      </p:sp>
-      <p:sp>
-        <p:nvSpPr>
-          <p:cNvPr id="3" name="Content Placeholder 2">
-            <a:extLst>
-              <a:ext uri="{FF2B5EF4-FFF2-40B4-BE49-F238E27FC236}">
-                <a16:creationId xmlns:a16="http://schemas.microsoft.com/office/drawing/2014/main" id="{B214BDCC-D0FC-4145-B2B2-87A11265D19F}"/>
-              </a:ext>
-            </a:extLst>
-          </p:cNvPr>
-          <p:cNvSpPr>
-            <a:spLocks noGrp="1"/>
-          </p:cNvSpPr>
-          <p:nvPr>
-            <p:ph sz="half" idx="10"/>
-          </p:nvPr>
-        </p:nvSpPr>
-        <p:spPr/>
-        <p:txBody>
-          <a:bodyPr/>
-          <a:lstStyle/>
-          <a:p>
-            <a:r>
-              <a:rPr lang="es-ES" b="1" dirty="0" err="1"/>
-              <a:t>ExecAction</a:t>
-            </a:r>
-            <a:r>
-              <a:rPr lang="es-ES" dirty="0"/>
-              <a:t>: Ejecuta un </a:t>
-            </a:r>
-            <a:r>
-              <a:rPr lang="es-ES" dirty="0" err="1"/>
-              <a:t>commando</a:t>
-            </a:r>
-            <a:r>
-              <a:rPr lang="es-ES" dirty="0"/>
-              <a:t> dentro del container. Se considera </a:t>
-            </a:r>
-            <a:r>
-              <a:rPr lang="es-ES" dirty="0" err="1"/>
-              <a:t>existoso</a:t>
-            </a:r>
-            <a:r>
-              <a:rPr lang="es-ES" dirty="0"/>
-              <a:t> si retorna status </a:t>
-            </a:r>
-            <a:r>
-              <a:rPr lang="es-ES" dirty="0" err="1"/>
-              <a:t>code</a:t>
-            </a:r>
-            <a:r>
-              <a:rPr lang="es-ES" dirty="0"/>
-              <a:t> 0.</a:t>
-            </a:r>
-          </a:p>
-          <a:p>
-            <a:r>
-              <a:rPr lang="es-ES" b="1" dirty="0" err="1"/>
-              <a:t>TCPSocketAction</a:t>
-            </a:r>
-            <a:r>
-              <a:rPr lang="es-ES" dirty="0"/>
-              <a:t>: Ejecuta en TCP </a:t>
-            </a:r>
-            <a:r>
-              <a:rPr lang="es-ES" dirty="0" err="1"/>
-              <a:t>Check</a:t>
-            </a:r>
-            <a:r>
-              <a:rPr lang="es-ES" dirty="0"/>
-              <a:t> contra la IP del </a:t>
-            </a:r>
-            <a:r>
-              <a:rPr lang="es-ES" dirty="0" err="1"/>
-              <a:t>Pod</a:t>
-            </a:r>
-            <a:r>
-              <a:rPr lang="es-ES" dirty="0"/>
-              <a:t> sobre un puerto específico. Se considera </a:t>
-            </a:r>
-            <a:r>
-              <a:rPr lang="es-ES" dirty="0" err="1"/>
-              <a:t>existoso</a:t>
-            </a:r>
-            <a:r>
-              <a:rPr lang="es-ES" dirty="0"/>
-              <a:t> si el puerto responde.</a:t>
-            </a:r>
-          </a:p>
-          <a:p>
-            <a:r>
-              <a:rPr lang="es-ES" b="1" dirty="0" err="1"/>
-              <a:t>HTTPGetAction</a:t>
-            </a:r>
-            <a:r>
-              <a:rPr lang="es-ES" dirty="0"/>
-              <a:t>: Ejecuta en HTTP </a:t>
-            </a:r>
-            <a:r>
-              <a:rPr lang="es-ES" dirty="0" err="1"/>
-              <a:t>Get</a:t>
-            </a:r>
-            <a:r>
-              <a:rPr lang="es-ES" dirty="0"/>
-              <a:t> contra el </a:t>
-            </a:r>
-            <a:r>
-              <a:rPr lang="es-ES" dirty="0" err="1"/>
-              <a:t>Pods</a:t>
-            </a:r>
-            <a:r>
-              <a:rPr lang="es-ES" dirty="0"/>
-              <a:t> sobre un Puerto y </a:t>
-            </a:r>
-            <a:r>
-              <a:rPr lang="es-ES" dirty="0" err="1"/>
-              <a:t>path</a:t>
-            </a:r>
-            <a:r>
-              <a:rPr lang="es-ES" dirty="0"/>
-              <a:t> específico. Se considera exitoso si el status </a:t>
-            </a:r>
-            <a:r>
-              <a:rPr lang="es-ES" dirty="0" err="1"/>
-              <a:t>code</a:t>
-            </a:r>
-            <a:r>
-              <a:rPr lang="es-ES" dirty="0"/>
-              <a:t> es &gt;=200 y &lt; 400.</a:t>
-            </a:r>
-          </a:p>
-          <a:p>
-            <a:endParaRPr lang="en-US" dirty="0"/>
-          </a:p>
-        </p:txBody>
-      </p:sp>
-    </p:spTree>
-    <p:extLst>
-      <p:ext uri="{BB962C8B-B14F-4D97-AF65-F5344CB8AC3E}">
-        <p14:creationId xmlns:p14="http://schemas.microsoft.com/office/powerpoint/2010/main" val="3276026377"/>
-      </p:ext>
-    </p:extLst>
-  </p:cSld>
-  <p:clrMapOvr>
-    <a:masterClrMapping/>
-  </p:clrMapOvr>
-  <mc:AlternateContent xmlns:mc="http://schemas.openxmlformats.org/markup-compatibility/2006" xmlns:p159="http://schemas.microsoft.com/office/powerpoint/2015/09/main">
-    <mc:Choice Requires="p159">
-      <p:transition xmlns:p14="http://schemas.microsoft.com/office/powerpoint/2010/main" spd="slow" p14:dur="2000">
-        <p159:morph option="byObject"/>
-      </p:transition>
-    </mc:Choice>
-    <mc:Fallback xmlns="">
-      <p:transition spd="slow">
-        <p:fade/>
-      </p:transition>
-    </mc:Fallback>
-  </mc:AlternateContent>
-</p:sld>
-</file>
-
-<file path=ppt/slides/slide24.xml><?xml version="1.0" encoding="utf-8"?>
-<p:sld xmlns:a="http://schemas.openxmlformats.org/drawingml/2006/main" xmlns:r="http://schemas.openxmlformats.org/officeDocument/2006/relationships" xmlns:p="http://schemas.openxmlformats.org/presentationml/2006/main">
-  <p:cSld>
-    <p:spTree>
-      <p:nvGrpSpPr>
-        <p:cNvPr id="1" name=""/>
-        <p:cNvGrpSpPr/>
-        <p:nvPr/>
-      </p:nvGrpSpPr>
-      <p:grpSpPr>
-        <a:xfrm>
-          <a:off x="0" y="0"/>
-          <a:ext cx="0" cy="0"/>
-          <a:chOff x="0" y="0"/>
-          <a:chExt cx="0" cy="0"/>
-        </a:xfrm>
-      </p:grpSpPr>
-      <p:sp>
-        <p:nvSpPr>
           <p:cNvPr id="4" name="Title 3">
             <a:extLst>
               <a:ext uri="{FF2B5EF4-FFF2-40B4-BE49-F238E27FC236}">
@@ -8047,7 +7941,7 @@
 </p:sld>
 </file>
 
-<file path=ppt/slides/slide25.xml><?xml version="1.0" encoding="utf-8"?>
+<file path=ppt/slides/slide24.xml><?xml version="1.0" encoding="utf-8"?>
 <p:sld xmlns:a="http://schemas.openxmlformats.org/drawingml/2006/main" xmlns:r="http://schemas.openxmlformats.org/officeDocument/2006/relationships" xmlns:p="http://schemas.openxmlformats.org/presentationml/2006/main">
   <p:cSld>
     <p:spTree>
@@ -8258,7 +8152,7 @@
 </p:sld>
 </file>
 
-<file path=ppt/slides/slide26.xml><?xml version="1.0" encoding="utf-8"?>
+<file path=ppt/slides/slide25.xml><?xml version="1.0" encoding="utf-8"?>
 <p:sld xmlns:a="http://schemas.openxmlformats.org/drawingml/2006/main" xmlns:r="http://schemas.openxmlformats.org/officeDocument/2006/relationships" xmlns:p="http://schemas.openxmlformats.org/presentationml/2006/main">
   <p:cSld>
     <p:spTree>
@@ -8330,6 +8224,194 @@
 </p:sld>
 </file>
 
+<file path=ppt/slides/slide26.xml><?xml version="1.0" encoding="utf-8"?>
+<p:sld xmlns:a="http://schemas.openxmlformats.org/drawingml/2006/main" xmlns:r="http://schemas.openxmlformats.org/officeDocument/2006/relationships" xmlns:p="http://schemas.openxmlformats.org/presentationml/2006/main">
+  <p:cSld>
+    <p:spTree>
+      <p:nvGrpSpPr>
+        <p:cNvPr id="1" name=""/>
+        <p:cNvGrpSpPr/>
+        <p:nvPr/>
+      </p:nvGrpSpPr>
+      <p:grpSpPr>
+        <a:xfrm>
+          <a:off x="0" y="0"/>
+          <a:ext cx="0" cy="0"/>
+          <a:chOff x="0" y="0"/>
+          <a:chExt cx="0" cy="0"/>
+        </a:xfrm>
+      </p:grpSpPr>
+      <p:sp>
+        <p:nvSpPr>
+          <p:cNvPr id="2" name="Title 1">
+            <a:extLst>
+              <a:ext uri="{FF2B5EF4-FFF2-40B4-BE49-F238E27FC236}">
+                <a16:creationId xmlns:a16="http://schemas.microsoft.com/office/drawing/2014/main" id="{7BDEBC37-1D84-4B5E-91A1-574C52107A9F}"/>
+              </a:ext>
+            </a:extLst>
+          </p:cNvPr>
+          <p:cNvSpPr>
+            <a:spLocks noGrp="1"/>
+          </p:cNvSpPr>
+          <p:nvPr>
+            <p:ph type="title"/>
+          </p:nvPr>
+        </p:nvSpPr>
+        <p:spPr/>
+        <p:txBody>
+          <a:bodyPr/>
+          <a:lstStyle/>
+          <a:p>
+            <a:r>
+              <a:rPr lang="es-ES" dirty="0"/>
+              <a:t>¿Qué son los </a:t>
+            </a:r>
+            <a:r>
+              <a:rPr lang="es-ES" dirty="0" err="1"/>
+              <a:t>deployments</a:t>
+            </a:r>
+            <a:r>
+              <a:rPr lang="es-ES" dirty="0"/>
+              <a:t>?</a:t>
+            </a:r>
+            <a:endParaRPr lang="en-US" dirty="0"/>
+          </a:p>
+        </p:txBody>
+      </p:sp>
+      <p:sp>
+        <p:nvSpPr>
+          <p:cNvPr id="3" name="Content Placeholder 2">
+            <a:extLst>
+              <a:ext uri="{FF2B5EF4-FFF2-40B4-BE49-F238E27FC236}">
+                <a16:creationId xmlns:a16="http://schemas.microsoft.com/office/drawing/2014/main" id="{B5BFC8FF-691A-41CE-BE26-62F5B8A1B3A9}"/>
+              </a:ext>
+            </a:extLst>
+          </p:cNvPr>
+          <p:cNvSpPr>
+            <a:spLocks noGrp="1"/>
+          </p:cNvSpPr>
+          <p:nvPr>
+            <p:ph sz="half" idx="10"/>
+          </p:nvPr>
+        </p:nvSpPr>
+        <p:spPr/>
+        <p:txBody>
+          <a:bodyPr/>
+          <a:lstStyle/>
+          <a:p>
+            <a:r>
+              <a:rPr lang="es-ES" dirty="0"/>
+              <a:t>Son una forma declarativa de controlar </a:t>
+            </a:r>
+            <a:r>
+              <a:rPr lang="es-ES" dirty="0" err="1"/>
+              <a:t>Pods</a:t>
+            </a:r>
+            <a:r>
+              <a:rPr lang="es-ES" dirty="0"/>
+              <a:t> a través de un </a:t>
+            </a:r>
+            <a:r>
+              <a:rPr lang="es-ES" dirty="0" err="1"/>
+              <a:t>replicaset</a:t>
+            </a:r>
+            <a:endParaRPr lang="es-ES" dirty="0"/>
+          </a:p>
+          <a:p>
+            <a:r>
+              <a:rPr lang="es-ES" dirty="0"/>
+              <a:t>En caso que un </a:t>
+            </a:r>
+            <a:r>
+              <a:rPr lang="es-ES" dirty="0" err="1"/>
+              <a:t>Pod</a:t>
+            </a:r>
+            <a:r>
+              <a:rPr lang="es-ES" dirty="0"/>
+              <a:t> falle se asegura que se mantenga funcionado</a:t>
+            </a:r>
+          </a:p>
+          <a:p>
+            <a:r>
+              <a:rPr lang="es-ES" dirty="0"/>
+              <a:t>Se encarga del escalado</a:t>
+            </a:r>
+          </a:p>
+          <a:p>
+            <a:r>
+              <a:rPr lang="es-ES" dirty="0"/>
+              <a:t>Soportan Zero-</a:t>
+            </a:r>
+            <a:r>
+              <a:rPr lang="es-ES" dirty="0" err="1"/>
+              <a:t>Downtime</a:t>
+            </a:r>
+            <a:r>
+              <a:rPr lang="es-ES" dirty="0"/>
+              <a:t> </a:t>
+            </a:r>
+            <a:r>
+              <a:rPr lang="es-ES" dirty="0" err="1"/>
+              <a:t>deployment</a:t>
+            </a:r>
+            <a:endParaRPr lang="es-ES" dirty="0"/>
+          </a:p>
+          <a:p>
+            <a:r>
+              <a:rPr lang="es-ES" dirty="0" err="1"/>
+              <a:t>Rollback</a:t>
+            </a:r>
+            <a:endParaRPr lang="es-ES" dirty="0"/>
+          </a:p>
+          <a:p>
+            <a:r>
+              <a:rPr lang="es-ES" dirty="0"/>
+              <a:t>Se asocian los </a:t>
+            </a:r>
+            <a:r>
+              <a:rPr lang="es-ES" dirty="0" err="1"/>
+              <a:t>Pods</a:t>
+            </a:r>
+            <a:r>
+              <a:rPr lang="es-ES" dirty="0"/>
+              <a:t> a partir de </a:t>
+            </a:r>
+            <a:r>
+              <a:rPr lang="es-ES" dirty="0" err="1"/>
+              <a:t>labels</a:t>
+            </a:r>
+            <a:endParaRPr lang="es-ES" dirty="0"/>
+          </a:p>
+          <a:p>
+            <a:endParaRPr lang="en-US" dirty="0"/>
+          </a:p>
+        </p:txBody>
+      </p:sp>
+    </p:spTree>
+    <p:extLst>
+      <p:ext uri="{BB962C8B-B14F-4D97-AF65-F5344CB8AC3E}">
+        <p14:creationId xmlns:p14="http://schemas.microsoft.com/office/powerpoint/2010/main" val="1368042284"/>
+      </p:ext>
+    </p:extLst>
+  </p:cSld>
+  <p:clrMapOvr>
+    <a:masterClrMapping/>
+  </p:clrMapOvr>
+  <mc:AlternateContent xmlns:mc="http://schemas.openxmlformats.org/markup-compatibility/2006" xmlns:p159="http://schemas.microsoft.com/office/powerpoint/2015/09/main">
+    <mc:Choice Requires="p159">
+      <p:transition xmlns:p14="http://schemas.microsoft.com/office/powerpoint/2010/main" spd="slow" p14:dur="2000">
+        <p159:morph option="byObject"/>
+      </p:transition>
+    </mc:Choice>
+    <mc:Fallback xmlns="">
+      <p:transition spd="slow">
+        <p:fade/>
+      </p:transition>
+    </mc:Fallback>
+  </mc:AlternateContent>
+</p:sld>
+</file>
+
 <file path=ppt/slides/slide27.xml><?xml version="1.0" encoding="utf-8"?>
 <p:sld xmlns:a="http://schemas.openxmlformats.org/drawingml/2006/main" xmlns:r="http://schemas.openxmlformats.org/officeDocument/2006/relationships" xmlns:p="http://schemas.openxmlformats.org/presentationml/2006/main">
   <p:cSld>
@@ -8352,7 +8434,7 @@
           <p:cNvPr id="2" name="Title 1">
             <a:extLst>
               <a:ext uri="{FF2B5EF4-FFF2-40B4-BE49-F238E27FC236}">
-                <a16:creationId xmlns:a16="http://schemas.microsoft.com/office/drawing/2014/main" id="{7BDEBC37-1D84-4B5E-91A1-574C52107A9F}"/>
+                <a16:creationId xmlns:a16="http://schemas.microsoft.com/office/drawing/2014/main" id="{33BBBE1E-5A8D-44C7-B739-B437922D41E7}"/>
               </a:ext>
             </a:extLst>
           </p:cNvPr>
@@ -8369,16 +8451,16 @@
           <a:lstStyle/>
           <a:p>
             <a:r>
+              <a:rPr lang="es-ES" dirty="0" err="1"/>
+              <a:t>Deployment</a:t>
+            </a:r>
+            <a:r>
               <a:rPr lang="es-ES" dirty="0"/>
-              <a:t>¿Qué son los </a:t>
+              <a:t> </a:t>
             </a:r>
             <a:r>
               <a:rPr lang="es-ES" dirty="0" err="1"/>
-              <a:t>deployments</a:t>
-            </a:r>
-            <a:r>
-              <a:rPr lang="es-ES" dirty="0"/>
-              <a:t>?</a:t>
+              <a:t>update</a:t>
             </a:r>
             <a:endParaRPr lang="en-US" dirty="0"/>
           </a:p>
@@ -8389,7 +8471,7 @@
           <p:cNvPr id="3" name="Content Placeholder 2">
             <a:extLst>
               <a:ext uri="{FF2B5EF4-FFF2-40B4-BE49-F238E27FC236}">
-                <a16:creationId xmlns:a16="http://schemas.microsoft.com/office/drawing/2014/main" id="{B5BFC8FF-691A-41CE-BE26-62F5B8A1B3A9}"/>
+                <a16:creationId xmlns:a16="http://schemas.microsoft.com/office/drawing/2014/main" id="{58093779-78FD-404D-8601-85A156DE5EBF}"/>
               </a:ext>
             </a:extLst>
           </p:cNvPr>
@@ -8407,50 +8489,25 @@
           <a:p>
             <a:r>
               <a:rPr lang="es-ES" dirty="0"/>
-              <a:t>Son una forma declarativa de controlar </a:t>
+              <a:t>Rolling </a:t>
             </a:r>
             <a:r>
               <a:rPr lang="es-ES" dirty="0" err="1"/>
-              <a:t>Pods</a:t>
+              <a:t>update</a:t>
             </a:r>
             <a:r>
               <a:rPr lang="es-ES" dirty="0"/>
-              <a:t> a través de un </a:t>
+              <a:t> (default)</a:t>
+            </a:r>
+          </a:p>
+          <a:p>
+            <a:r>
+              <a:rPr lang="es-ES" dirty="0"/>
+              <a:t>Blue-</a:t>
             </a:r>
             <a:r>
               <a:rPr lang="es-ES" dirty="0" err="1"/>
-              <a:t>replicaset</a:t>
-            </a:r>
-            <a:endParaRPr lang="es-ES" dirty="0"/>
-          </a:p>
-          <a:p>
-            <a:r>
-              <a:rPr lang="es-ES" dirty="0"/>
-              <a:t>En caso que un </a:t>
-            </a:r>
-            <a:r>
-              <a:rPr lang="es-ES" dirty="0" err="1"/>
-              <a:t>Pod</a:t>
-            </a:r>
-            <a:r>
-              <a:rPr lang="es-ES" dirty="0"/>
-              <a:t> falle se asegura que se mantenga funcionado</a:t>
-            </a:r>
-          </a:p>
-          <a:p>
-            <a:r>
-              <a:rPr lang="es-ES" dirty="0"/>
-              <a:t>Se encarga del escalado</a:t>
-            </a:r>
-          </a:p>
-          <a:p>
-            <a:r>
-              <a:rPr lang="es-ES" dirty="0"/>
-              <a:t>Soportan Zero-</a:t>
-            </a:r>
-            <a:r>
-              <a:rPr lang="es-ES" dirty="0" err="1"/>
-              <a:t>Downtime</a:t>
+              <a:t>green</a:t>
             </a:r>
             <a:r>
               <a:rPr lang="es-ES" dirty="0"/>
@@ -8458,33 +8515,51 @@
             </a:r>
             <a:r>
               <a:rPr lang="es-ES" dirty="0" err="1"/>
-              <a:t>deployment</a:t>
-            </a:r>
-            <a:endParaRPr lang="es-ES" dirty="0"/>
-          </a:p>
-          <a:p>
+              <a:t>deployments</a:t>
+            </a:r>
+            <a:r>
+              <a:rPr lang="es-ES" dirty="0"/>
+              <a:t>: Varios </a:t>
+            </a:r>
             <a:r>
               <a:rPr lang="es-ES" dirty="0" err="1"/>
-              <a:t>Rollback</a:t>
-            </a:r>
-            <a:endParaRPr lang="es-ES" dirty="0"/>
-          </a:p>
-          <a:p>
+              <a:t>environment</a:t>
+            </a:r>
             <a:r>
               <a:rPr lang="es-ES" dirty="0"/>
-              <a:t>Se asocian los </a:t>
-            </a:r>
+              <a:t> ejecutándose al mismo tiempo y desviamos todo el tráfico a una versión en particular.</a:t>
+            </a:r>
+          </a:p>
+          <a:p>
             <a:r>
               <a:rPr lang="es-ES" dirty="0" err="1"/>
-              <a:t>Pods</a:t>
+              <a:t>Canary</a:t>
             </a:r>
             <a:r>
               <a:rPr lang="es-ES" dirty="0"/>
-              <a:t> a partir de </a:t>
+              <a:t> </a:t>
             </a:r>
             <a:r>
               <a:rPr lang="es-ES" dirty="0" err="1"/>
-              <a:t>labels</a:t>
+              <a:t>deployments</a:t>
+            </a:r>
+            <a:r>
+              <a:rPr lang="es-ES" dirty="0"/>
+              <a:t>: Es como Blue-</a:t>
+            </a:r>
+            <a:r>
+              <a:rPr lang="es-ES" dirty="0" err="1"/>
+              <a:t>green</a:t>
+            </a:r>
+            <a:r>
+              <a:rPr lang="es-ES" dirty="0"/>
+              <a:t> pero con una pequeña porción del tráfico.</a:t>
+            </a:r>
+          </a:p>
+          <a:p>
+            <a:r>
+              <a:rPr lang="es-ES" dirty="0" err="1"/>
+              <a:t>Rollbacks</a:t>
             </a:r>
             <a:endParaRPr lang="es-ES" dirty="0"/>
           </a:p>
@@ -8496,7 +8571,7 @@
     </p:spTree>
     <p:extLst>
       <p:ext uri="{BB962C8B-B14F-4D97-AF65-F5344CB8AC3E}">
-        <p14:creationId xmlns:p14="http://schemas.microsoft.com/office/powerpoint/2010/main" val="1368042284"/>
+        <p14:creationId xmlns:p14="http://schemas.microsoft.com/office/powerpoint/2010/main" val="2744741615"/>
       </p:ext>
     </p:extLst>
   </p:cSld>
@@ -8537,10 +8612,10 @@
       </p:grpSpPr>
       <p:sp>
         <p:nvSpPr>
-          <p:cNvPr id="2" name="Title 1">
-            <a:extLst>
-              <a:ext uri="{FF2B5EF4-FFF2-40B4-BE49-F238E27FC236}">
-                <a16:creationId xmlns:a16="http://schemas.microsoft.com/office/drawing/2014/main" id="{33BBBE1E-5A8D-44C7-B739-B437922D41E7}"/>
+          <p:cNvPr id="4" name="Title 3">
+            <a:extLst>
+              <a:ext uri="{FF2B5EF4-FFF2-40B4-BE49-F238E27FC236}">
+                <a16:creationId xmlns:a16="http://schemas.microsoft.com/office/drawing/2014/main" id="{0E06EAE9-8E00-41F9-BBE9-B18FBAA29D65}"/>
               </a:ext>
             </a:extLst>
           </p:cNvPr>
@@ -8548,128 +8623,27 @@
             <a:spLocks noGrp="1"/>
           </p:cNvSpPr>
           <p:nvPr>
-            <p:ph type="title"/>
+            <p:ph type="ctrTitle" idx="4294967295"/>
           </p:nvPr>
         </p:nvSpPr>
-        <p:spPr/>
+        <p:spPr>
+          <a:xfrm>
+            <a:off x="3647016" y="2728383"/>
+            <a:ext cx="4897967" cy="1401233"/>
+          </a:xfrm>
+        </p:spPr>
         <p:txBody>
           <a:bodyPr/>
           <a:lstStyle/>
           <a:p>
             <a:r>
-              <a:rPr lang="es-ES" dirty="0" err="1"/>
-              <a:t>Deployment</a:t>
-            </a:r>
-            <a:r>
               <a:rPr lang="es-ES" dirty="0"/>
-              <a:t> </a:t>
-            </a:r>
-            <a:r>
-              <a:rPr lang="es-ES" dirty="0" err="1"/>
-              <a:t>update</a:t>
-            </a:r>
-            <a:endParaRPr lang="en-US" dirty="0"/>
-          </a:p>
-        </p:txBody>
-      </p:sp>
-      <p:sp>
-        <p:nvSpPr>
-          <p:cNvPr id="3" name="Content Placeholder 2">
-            <a:extLst>
-              <a:ext uri="{FF2B5EF4-FFF2-40B4-BE49-F238E27FC236}">
-                <a16:creationId xmlns:a16="http://schemas.microsoft.com/office/drawing/2014/main" id="{58093779-78FD-404D-8601-85A156DE5EBF}"/>
-              </a:ext>
-            </a:extLst>
-          </p:cNvPr>
-          <p:cNvSpPr>
-            <a:spLocks noGrp="1"/>
-          </p:cNvSpPr>
-          <p:nvPr>
-            <p:ph sz="half" idx="10"/>
-          </p:nvPr>
-        </p:nvSpPr>
-        <p:spPr/>
-        <p:txBody>
-          <a:bodyPr/>
-          <a:lstStyle/>
-          <a:p>
-            <a:r>
-              <a:rPr lang="es-ES" dirty="0"/>
-              <a:t>Rolling </a:t>
-            </a:r>
-            <a:r>
-              <a:rPr lang="es-ES" dirty="0" err="1"/>
-              <a:t>update</a:t>
-            </a:r>
-            <a:r>
-              <a:rPr lang="es-ES" dirty="0"/>
-              <a:t> (default)</a:t>
-            </a:r>
-          </a:p>
-          <a:p>
-            <a:r>
-              <a:rPr lang="es-ES" dirty="0"/>
-              <a:t>Blue-</a:t>
-            </a:r>
-            <a:r>
-              <a:rPr lang="es-ES" dirty="0" err="1"/>
-              <a:t>green</a:t>
-            </a:r>
-            <a:r>
-              <a:rPr lang="es-ES" dirty="0"/>
-              <a:t> </a:t>
+              <a:t>Demo </a:t>
             </a:r>
             <a:r>
               <a:rPr lang="es-ES" dirty="0" err="1"/>
               <a:t>deployments</a:t>
             </a:r>
-            <a:r>
-              <a:rPr lang="es-ES" dirty="0"/>
-              <a:t>: Varios </a:t>
-            </a:r>
-            <a:r>
-              <a:rPr lang="es-ES" dirty="0" err="1"/>
-              <a:t>environment</a:t>
-            </a:r>
-            <a:r>
-              <a:rPr lang="es-ES" dirty="0"/>
-              <a:t> ejecutándose al mismo tiempo y desviamos todo el tráfico a una versión en particular.</a:t>
-            </a:r>
-          </a:p>
-          <a:p>
-            <a:r>
-              <a:rPr lang="es-ES" dirty="0" err="1"/>
-              <a:t>Canary</a:t>
-            </a:r>
-            <a:r>
-              <a:rPr lang="es-ES" dirty="0"/>
-              <a:t> </a:t>
-            </a:r>
-            <a:r>
-              <a:rPr lang="es-ES" dirty="0" err="1"/>
-              <a:t>deployments</a:t>
-            </a:r>
-            <a:r>
-              <a:rPr lang="es-ES" dirty="0"/>
-              <a:t>: Es como Blue-</a:t>
-            </a:r>
-            <a:r>
-              <a:rPr lang="es-ES" dirty="0" err="1"/>
-              <a:t>green</a:t>
-            </a:r>
-            <a:r>
-              <a:rPr lang="es-ES" dirty="0"/>
-              <a:t> pero con una pequeña porción del tráfico.</a:t>
-            </a:r>
-          </a:p>
-          <a:p>
-            <a:r>
-              <a:rPr lang="es-ES" dirty="0" err="1"/>
-              <a:t>Rollbacks</a:t>
-            </a:r>
-            <a:endParaRPr lang="es-ES" dirty="0"/>
-          </a:p>
-          <a:p>
             <a:endParaRPr lang="en-US" dirty="0"/>
           </a:p>
         </p:txBody>
@@ -8677,7 +8651,7 @@
     </p:spTree>
     <p:extLst>
       <p:ext uri="{BB962C8B-B14F-4D97-AF65-F5344CB8AC3E}">
-        <p14:creationId xmlns:p14="http://schemas.microsoft.com/office/powerpoint/2010/main" val="2744741615"/>
+        <p14:creationId xmlns:p14="http://schemas.microsoft.com/office/powerpoint/2010/main" val="3980626856"/>
       </p:ext>
     </p:extLst>
   </p:cSld>
@@ -8704,7 +8678,13 @@
   <p:cSld>
     <p:spTree>
       <p:nvGrpSpPr>
-        <p:cNvPr id="1" name=""/>
+        <p:cNvPr id="1" name="">
+          <a:extLst>
+            <a:ext uri="{FF2B5EF4-FFF2-40B4-BE49-F238E27FC236}">
+              <a16:creationId xmlns:a16="http://schemas.microsoft.com/office/drawing/2014/main" id="{D05C2463-7B6D-5DAD-E57D-BF124F30DE4A}"/>
+            </a:ext>
+          </a:extLst>
+        </p:cNvPr>
         <p:cNvGrpSpPr/>
         <p:nvPr/>
       </p:nvGrpSpPr>
@@ -8718,64 +8698,189 @@
       </p:grpSpPr>
       <p:sp>
         <p:nvSpPr>
-          <p:cNvPr id="4" name="Title 3">
-            <a:extLst>
-              <a:ext uri="{FF2B5EF4-FFF2-40B4-BE49-F238E27FC236}">
-                <a16:creationId xmlns:a16="http://schemas.microsoft.com/office/drawing/2014/main" id="{0E06EAE9-8E00-41F9-BBE9-B18FBAA29D65}"/>
-              </a:ext>
-            </a:extLst>
-          </p:cNvPr>
-          <p:cNvSpPr>
-            <a:spLocks noGrp="1"/>
-          </p:cNvSpPr>
-          <p:nvPr>
-            <p:ph type="ctrTitle" idx="4294967295"/>
-          </p:nvPr>
+          <p:cNvPr id="2" name="TextBox 1">
+            <a:extLst>
+              <a:ext uri="{FF2B5EF4-FFF2-40B4-BE49-F238E27FC236}">
+                <a16:creationId xmlns:a16="http://schemas.microsoft.com/office/drawing/2014/main" id="{BB235695-EAD1-B11C-6C7F-62F51C5E0FDD}"/>
+              </a:ext>
+            </a:extLst>
+          </p:cNvPr>
+          <p:cNvSpPr txBox="1"/>
+          <p:nvPr/>
         </p:nvSpPr>
         <p:spPr>
           <a:xfrm>
-            <a:off x="3647016" y="2728383"/>
-            <a:ext cx="4897967" cy="1401233"/>
+            <a:off x="457199" y="1094404"/>
+            <a:ext cx="4606925" cy="1015663"/>
           </a:xfrm>
+          <a:prstGeom prst="rect">
+            <a:avLst/>
+          </a:prstGeom>
+          <a:noFill/>
         </p:spPr>
         <p:txBody>
-          <a:bodyPr/>
+          <a:bodyPr wrap="square" rtlCol="0">
+            <a:spAutoFit/>
+          </a:bodyPr>
           <a:lstStyle/>
           <a:p>
             <a:r>
-              <a:rPr lang="es-ES" dirty="0"/>
-              <a:t>Demo </a:t>
-            </a:r>
-            <a:r>
-              <a:rPr lang="es-ES" dirty="0" err="1"/>
-              <a:t>deployments</a:t>
-            </a:r>
-            <a:endParaRPr lang="en-US" dirty="0"/>
+              <a:rPr lang="en-US" sz="6000" dirty="0">
+                <a:solidFill>
+                  <a:srgbClr val="564E9F"/>
+                </a:solidFill>
+                <a:latin typeface="+mj-lt"/>
+              </a:rPr>
+              <a:t>Services</a:t>
+            </a:r>
           </a:p>
         </p:txBody>
       </p:sp>
+      <p:sp>
+        <p:nvSpPr>
+          <p:cNvPr id="3" name="Rectangle 2">
+            <a:extLst>
+              <a:ext uri="{FF2B5EF4-FFF2-40B4-BE49-F238E27FC236}">
+                <a16:creationId xmlns:a16="http://schemas.microsoft.com/office/drawing/2014/main" id="{2DC6234A-3DE8-C5F5-F267-7737D25C1915}"/>
+              </a:ext>
+            </a:extLst>
+          </p:cNvPr>
+          <p:cNvSpPr/>
+          <p:nvPr/>
+        </p:nvSpPr>
+        <p:spPr>
+          <a:xfrm>
+            <a:off x="6000750" y="0"/>
+            <a:ext cx="6191250" cy="6858000"/>
+          </a:xfrm>
+          <a:prstGeom prst="rect">
+            <a:avLst/>
+          </a:prstGeom>
+          <a:solidFill>
+            <a:srgbClr val="564E9F"/>
+          </a:solidFill>
+          <a:ln>
+            <a:noFill/>
+          </a:ln>
+        </p:spPr>
+        <p:style>
+          <a:lnRef idx="2">
+            <a:schemeClr val="accent1">
+              <a:shade val="50000"/>
+            </a:schemeClr>
+          </a:lnRef>
+          <a:fillRef idx="1">
+            <a:schemeClr val="accent1"/>
+          </a:fillRef>
+          <a:effectRef idx="0">
+            <a:schemeClr val="accent1"/>
+          </a:effectRef>
+          <a:fontRef idx="minor">
+            <a:schemeClr val="lt1"/>
+          </a:fontRef>
+        </p:style>
+        <p:txBody>
+          <a:bodyPr rtlCol="0" anchor="ctr"/>
+          <a:lstStyle/>
+          <a:p>
+            <a:pPr algn="ctr"/>
+            <a:endParaRPr lang="en-ID" dirty="0"/>
+          </a:p>
+        </p:txBody>
+      </p:sp>
+      <p:sp>
+        <p:nvSpPr>
+          <p:cNvPr id="5" name="TextBox 4">
+            <a:extLst>
+              <a:ext uri="{FF2B5EF4-FFF2-40B4-BE49-F238E27FC236}">
+                <a16:creationId xmlns:a16="http://schemas.microsoft.com/office/drawing/2014/main" id="{014C1EA4-9761-FA53-9D90-7EA0D82A8574}"/>
+              </a:ext>
+            </a:extLst>
+          </p:cNvPr>
+          <p:cNvSpPr txBox="1"/>
+          <p:nvPr/>
+        </p:nvSpPr>
+        <p:spPr>
+          <a:xfrm>
+            <a:off x="484415" y="485809"/>
+            <a:ext cx="1769835" cy="261610"/>
+          </a:xfrm>
+          <a:prstGeom prst="rect">
+            <a:avLst/>
+          </a:prstGeom>
+          <a:noFill/>
+        </p:spPr>
+        <p:txBody>
+          <a:bodyPr wrap="square" rtlCol="0">
+            <a:spAutoFit/>
+          </a:bodyPr>
+          <a:lstStyle/>
+          <a:p>
+            <a:r>
+              <a:rPr lang="en-US" sz="1100" dirty="0">
+                <a:solidFill>
+                  <a:schemeClr val="accent3">
+                    <a:lumMod val="40000"/>
+                    <a:lumOff val="60000"/>
+                  </a:schemeClr>
+                </a:solidFill>
+                <a:latin typeface="+mj-lt"/>
+              </a:rPr>
+              <a:t>dotnet LATAM day</a:t>
+            </a:r>
+            <a:endParaRPr lang="en-ID" sz="1100" dirty="0">
+              <a:solidFill>
+                <a:schemeClr val="accent3">
+                  <a:lumMod val="40000"/>
+                  <a:lumOff val="60000"/>
+                </a:schemeClr>
+              </a:solidFill>
+              <a:latin typeface="+mj-lt"/>
+            </a:endParaRPr>
+          </a:p>
+        </p:txBody>
+      </p:sp>
+      <p:pic>
+        <p:nvPicPr>
+          <p:cNvPr id="23" name="Marcador de posición de imagen 22" descr="Mujer sentada en una silla&#10;&#10;Descripción generada automáticamente con confianza media">
+            <a:extLst>
+              <a:ext uri="{FF2B5EF4-FFF2-40B4-BE49-F238E27FC236}">
+                <a16:creationId xmlns:a16="http://schemas.microsoft.com/office/drawing/2014/main" id="{C8EC0969-007F-1F82-2FAC-763C715F2A62}"/>
+              </a:ext>
+            </a:extLst>
+          </p:cNvPr>
+          <p:cNvPicPr>
+            <a:picLocks noGrp="1" noChangeAspect="1"/>
+          </p:cNvPicPr>
+          <p:nvPr>
+            <p:ph type="pic" sz="quarter" idx="10"/>
+          </p:nvPr>
+        </p:nvPicPr>
+        <p:blipFill>
+          <a:blip r:embed="rId2">
+            <a:extLst>
+              <a:ext uri="{28A0092B-C50C-407E-A947-70E740481C1C}">
+                <a14:useLocalDpi xmlns:a14="http://schemas.microsoft.com/office/drawing/2010/main" val="0"/>
+              </a:ext>
+            </a:extLst>
+          </a:blip>
+          <a:srcRect t="12087" b="12087"/>
+          <a:stretch>
+            <a:fillRect/>
+          </a:stretch>
+        </p:blipFill>
+        <p:spPr/>
+      </p:pic>
     </p:spTree>
     <p:extLst>
       <p:ext uri="{BB962C8B-B14F-4D97-AF65-F5344CB8AC3E}">
-        <p14:creationId xmlns:p14="http://schemas.microsoft.com/office/powerpoint/2010/main" val="3980626856"/>
+        <p14:creationId xmlns:p14="http://schemas.microsoft.com/office/powerpoint/2010/main" val="2503610207"/>
       </p:ext>
     </p:extLst>
   </p:cSld>
   <p:clrMapOvr>
     <a:masterClrMapping/>
   </p:clrMapOvr>
-  <mc:AlternateContent xmlns:mc="http://schemas.openxmlformats.org/markup-compatibility/2006" xmlns:p159="http://schemas.microsoft.com/office/powerpoint/2015/09/main">
-    <mc:Choice Requires="p159">
-      <p:transition xmlns:p14="http://schemas.microsoft.com/office/powerpoint/2010/main" spd="slow" p14:dur="2000">
-        <p159:morph option="byObject"/>
-      </p:transition>
-    </mc:Choice>
-    <mc:Fallback xmlns="">
-      <p:transition spd="slow">
-        <p:fade/>
-      </p:transition>
-    </mc:Fallback>
-  </mc:AlternateContent>
 </p:sld>
 </file>
 
@@ -9183,6 +9288,171 @@
         </p:blipFill>
         <p:spPr/>
       </p:pic>
+      <p:sp>
+        <p:nvSpPr>
+          <p:cNvPr id="2" name="TextBox 1">
+            <a:extLst>
+              <a:ext uri="{FF2B5EF4-FFF2-40B4-BE49-F238E27FC236}">
+                <a16:creationId xmlns:a16="http://schemas.microsoft.com/office/drawing/2014/main" id="{FE6B834C-1B8A-2929-92BB-139353D13DB1}"/>
+              </a:ext>
+            </a:extLst>
+          </p:cNvPr>
+          <p:cNvSpPr txBox="1"/>
+          <p:nvPr/>
+        </p:nvSpPr>
+        <p:spPr>
+          <a:xfrm>
+            <a:off x="8788533" y="794969"/>
+            <a:ext cx="2679516" cy="461665"/>
+          </a:xfrm>
+          <a:prstGeom prst="rect">
+            <a:avLst/>
+          </a:prstGeom>
+          <a:noFill/>
+        </p:spPr>
+        <p:txBody>
+          <a:bodyPr wrap="none" rtlCol="0">
+            <a:spAutoFit/>
+          </a:bodyPr>
+          <a:lstStyle/>
+          <a:p>
+            <a:r>
+              <a:rPr lang="en-US" sz="2400" dirty="0"/>
+              <a:t>Leonardo Micheloni</a:t>
+            </a:r>
+          </a:p>
+        </p:txBody>
+      </p:sp>
+      <p:pic>
+        <p:nvPicPr>
+          <p:cNvPr id="1026" name="Picture 2">
+            <a:extLst>
+              <a:ext uri="{FF2B5EF4-FFF2-40B4-BE49-F238E27FC236}">
+                <a16:creationId xmlns:a16="http://schemas.microsoft.com/office/drawing/2014/main" id="{2314F00D-2001-4FB0-E36D-F1865B222825}"/>
+              </a:ext>
+            </a:extLst>
+          </p:cNvPr>
+          <p:cNvPicPr>
+            <a:picLocks noChangeAspect="1" noChangeArrowheads="1"/>
+          </p:cNvPicPr>
+          <p:nvPr/>
+        </p:nvPicPr>
+        <p:blipFill>
+          <a:blip r:embed="rId4">
+            <a:extLst>
+              <a:ext uri="{28A0092B-C50C-407E-A947-70E740481C1C}">
+                <a14:useLocalDpi xmlns:a14="http://schemas.microsoft.com/office/drawing/2010/main" val="0"/>
+              </a:ext>
+            </a:extLst>
+          </a:blip>
+          <a:srcRect/>
+          <a:stretch>
+            <a:fillRect/>
+          </a:stretch>
+        </p:blipFill>
+        <p:spPr bwMode="auto">
+          <a:xfrm>
+            <a:off x="8788533" y="2131614"/>
+            <a:ext cx="888733" cy="1110916"/>
+          </a:xfrm>
+          <a:prstGeom prst="rect">
+            <a:avLst/>
+          </a:prstGeom>
+          <a:noFill/>
+          <a:extLst>
+            <a:ext uri="{909E8E84-426E-40DD-AFC4-6F175D3DCCD1}">
+              <a14:hiddenFill xmlns:a14="http://schemas.microsoft.com/office/drawing/2010/main">
+                <a:solidFill>
+                  <a:srgbClr val="FFFFFF"/>
+                </a:solidFill>
+              </a14:hiddenFill>
+            </a:ext>
+          </a:extLst>
+        </p:spPr>
+      </p:pic>
+      <p:pic>
+        <p:nvPicPr>
+          <p:cNvPr id="1028" name="Picture 4" descr="Microsoft MVP Badge">
+            <a:extLst>
+              <a:ext uri="{FF2B5EF4-FFF2-40B4-BE49-F238E27FC236}">
+                <a16:creationId xmlns:a16="http://schemas.microsoft.com/office/drawing/2014/main" id="{1AFE3BE7-7C8F-0873-4ABD-8D6F105A2145}"/>
+              </a:ext>
+            </a:extLst>
+          </p:cNvPr>
+          <p:cNvPicPr>
+            <a:picLocks noChangeAspect="1" noChangeArrowheads="1"/>
+          </p:cNvPicPr>
+          <p:nvPr/>
+        </p:nvPicPr>
+        <p:blipFill>
+          <a:blip r:embed="rId5">
+            <a:extLst>
+              <a:ext uri="{28A0092B-C50C-407E-A947-70E740481C1C}">
+                <a14:useLocalDpi xmlns:a14="http://schemas.microsoft.com/office/drawing/2010/main" val="0"/>
+              </a:ext>
+            </a:extLst>
+          </a:blip>
+          <a:srcRect/>
+          <a:stretch>
+            <a:fillRect/>
+          </a:stretch>
+        </p:blipFill>
+        <p:spPr bwMode="auto">
+          <a:xfrm>
+            <a:off x="10578382" y="2076017"/>
+            <a:ext cx="681037" cy="1068876"/>
+          </a:xfrm>
+          <a:prstGeom prst="rect">
+            <a:avLst/>
+          </a:prstGeom>
+          <a:noFill/>
+          <a:extLst>
+            <a:ext uri="{909E8E84-426E-40DD-AFC4-6F175D3DCCD1}">
+              <a14:hiddenFill xmlns:a14="http://schemas.microsoft.com/office/drawing/2010/main">
+                <a:solidFill>
+                  <a:srgbClr val="FFFFFF"/>
+                </a:solidFill>
+              </a14:hiddenFill>
+            </a:ext>
+          </a:extLst>
+        </p:spPr>
+      </p:pic>
+      <p:pic>
+        <p:nvPicPr>
+          <p:cNvPr id="11" name="Graphic 10">
+            <a:extLst>
+              <a:ext uri="{FF2B5EF4-FFF2-40B4-BE49-F238E27FC236}">
+                <a16:creationId xmlns:a16="http://schemas.microsoft.com/office/drawing/2014/main" id="{A7DBE12E-DE36-921F-C007-F4B478C271C5}"/>
+              </a:ext>
+            </a:extLst>
+          </p:cNvPr>
+          <p:cNvPicPr>
+            <a:picLocks noChangeAspect="1"/>
+          </p:cNvPicPr>
+          <p:nvPr/>
+        </p:nvPicPr>
+        <p:blipFill>
+          <a:blip r:embed="rId6">
+            <a:extLst>
+              <a:ext uri="{96DAC541-7B7A-43D3-8B79-37D633B846F1}">
+                <asvg:svgBlip xmlns:asvg="http://schemas.microsoft.com/office/drawing/2016/SVG/main" r:embed="rId7"/>
+              </a:ext>
+            </a:extLst>
+          </a:blip>
+          <a:stretch>
+            <a:fillRect/>
+          </a:stretch>
+        </p:blipFill>
+        <p:spPr>
+          <a:xfrm>
+            <a:off x="8977998" y="3581047"/>
+            <a:ext cx="2320140" cy="264121"/>
+          </a:xfrm>
+          <a:prstGeom prst="rect">
+            <a:avLst/>
+          </a:prstGeom>
+        </p:spPr>
+      </p:pic>
     </p:spTree>
     <p:extLst>
       <p:ext uri="{BB962C8B-B14F-4D97-AF65-F5344CB8AC3E}">
@@ -9197,217 +9467,6 @@
 </file>
 
 <file path=ppt/slides/slide30.xml><?xml version="1.0" encoding="utf-8"?>
-<p:sld xmlns:a="http://schemas.openxmlformats.org/drawingml/2006/main" xmlns:r="http://schemas.openxmlformats.org/officeDocument/2006/relationships" xmlns:p="http://schemas.openxmlformats.org/presentationml/2006/main">
-  <p:cSld>
-    <p:spTree>
-      <p:nvGrpSpPr>
-        <p:cNvPr id="1" name="">
-          <a:extLst>
-            <a:ext uri="{FF2B5EF4-FFF2-40B4-BE49-F238E27FC236}">
-              <a16:creationId xmlns:a16="http://schemas.microsoft.com/office/drawing/2014/main" id="{D05C2463-7B6D-5DAD-E57D-BF124F30DE4A}"/>
-            </a:ext>
-          </a:extLst>
-        </p:cNvPr>
-        <p:cNvGrpSpPr/>
-        <p:nvPr/>
-      </p:nvGrpSpPr>
-      <p:grpSpPr>
-        <a:xfrm>
-          <a:off x="0" y="0"/>
-          <a:ext cx="0" cy="0"/>
-          <a:chOff x="0" y="0"/>
-          <a:chExt cx="0" cy="0"/>
-        </a:xfrm>
-      </p:grpSpPr>
-      <p:sp>
-        <p:nvSpPr>
-          <p:cNvPr id="2" name="TextBox 1">
-            <a:extLst>
-              <a:ext uri="{FF2B5EF4-FFF2-40B4-BE49-F238E27FC236}">
-                <a16:creationId xmlns:a16="http://schemas.microsoft.com/office/drawing/2014/main" id="{BB235695-EAD1-B11C-6C7F-62F51C5E0FDD}"/>
-              </a:ext>
-            </a:extLst>
-          </p:cNvPr>
-          <p:cNvSpPr txBox="1"/>
-          <p:nvPr/>
-        </p:nvSpPr>
-        <p:spPr>
-          <a:xfrm>
-            <a:off x="457199" y="1094404"/>
-            <a:ext cx="4606925" cy="1015663"/>
-          </a:xfrm>
-          <a:prstGeom prst="rect">
-            <a:avLst/>
-          </a:prstGeom>
-          <a:noFill/>
-        </p:spPr>
-        <p:txBody>
-          <a:bodyPr wrap="square" rtlCol="0">
-            <a:spAutoFit/>
-          </a:bodyPr>
-          <a:lstStyle/>
-          <a:p>
-            <a:r>
-              <a:rPr lang="en-US" sz="6000" dirty="0">
-                <a:solidFill>
-                  <a:srgbClr val="564E9F"/>
-                </a:solidFill>
-                <a:latin typeface="+mj-lt"/>
-              </a:rPr>
-              <a:t>Services</a:t>
-            </a:r>
-          </a:p>
-        </p:txBody>
-      </p:sp>
-      <p:sp>
-        <p:nvSpPr>
-          <p:cNvPr id="3" name="Rectangle 2">
-            <a:extLst>
-              <a:ext uri="{FF2B5EF4-FFF2-40B4-BE49-F238E27FC236}">
-                <a16:creationId xmlns:a16="http://schemas.microsoft.com/office/drawing/2014/main" id="{2DC6234A-3DE8-C5F5-F267-7737D25C1915}"/>
-              </a:ext>
-            </a:extLst>
-          </p:cNvPr>
-          <p:cNvSpPr/>
-          <p:nvPr/>
-        </p:nvSpPr>
-        <p:spPr>
-          <a:xfrm>
-            <a:off x="6000750" y="0"/>
-            <a:ext cx="6191250" cy="6858000"/>
-          </a:xfrm>
-          <a:prstGeom prst="rect">
-            <a:avLst/>
-          </a:prstGeom>
-          <a:solidFill>
-            <a:srgbClr val="564E9F"/>
-          </a:solidFill>
-          <a:ln>
-            <a:noFill/>
-          </a:ln>
-        </p:spPr>
-        <p:style>
-          <a:lnRef idx="2">
-            <a:schemeClr val="accent1">
-              <a:shade val="50000"/>
-            </a:schemeClr>
-          </a:lnRef>
-          <a:fillRef idx="1">
-            <a:schemeClr val="accent1"/>
-          </a:fillRef>
-          <a:effectRef idx="0">
-            <a:schemeClr val="accent1"/>
-          </a:effectRef>
-          <a:fontRef idx="minor">
-            <a:schemeClr val="lt1"/>
-          </a:fontRef>
-        </p:style>
-        <p:txBody>
-          <a:bodyPr rtlCol="0" anchor="ctr"/>
-          <a:lstStyle/>
-          <a:p>
-            <a:pPr algn="ctr"/>
-            <a:endParaRPr lang="en-ID" dirty="0"/>
-          </a:p>
-        </p:txBody>
-      </p:sp>
-      <p:sp>
-        <p:nvSpPr>
-          <p:cNvPr id="5" name="TextBox 4">
-            <a:extLst>
-              <a:ext uri="{FF2B5EF4-FFF2-40B4-BE49-F238E27FC236}">
-                <a16:creationId xmlns:a16="http://schemas.microsoft.com/office/drawing/2014/main" id="{014C1EA4-9761-FA53-9D90-7EA0D82A8574}"/>
-              </a:ext>
-            </a:extLst>
-          </p:cNvPr>
-          <p:cNvSpPr txBox="1"/>
-          <p:nvPr/>
-        </p:nvSpPr>
-        <p:spPr>
-          <a:xfrm>
-            <a:off x="484415" y="485809"/>
-            <a:ext cx="1769835" cy="261610"/>
-          </a:xfrm>
-          <a:prstGeom prst="rect">
-            <a:avLst/>
-          </a:prstGeom>
-          <a:noFill/>
-        </p:spPr>
-        <p:txBody>
-          <a:bodyPr wrap="square" rtlCol="0">
-            <a:spAutoFit/>
-          </a:bodyPr>
-          <a:lstStyle/>
-          <a:p>
-            <a:r>
-              <a:rPr lang="en-US" sz="1100" dirty="0">
-                <a:solidFill>
-                  <a:schemeClr val="accent3">
-                    <a:lumMod val="40000"/>
-                    <a:lumOff val="60000"/>
-                  </a:schemeClr>
-                </a:solidFill>
-                <a:latin typeface="+mj-lt"/>
-              </a:rPr>
-              <a:t>dotnet LATAM day</a:t>
-            </a:r>
-            <a:endParaRPr lang="en-ID" sz="1100" dirty="0">
-              <a:solidFill>
-                <a:schemeClr val="accent3">
-                  <a:lumMod val="40000"/>
-                  <a:lumOff val="60000"/>
-                </a:schemeClr>
-              </a:solidFill>
-              <a:latin typeface="+mj-lt"/>
-            </a:endParaRPr>
-          </a:p>
-        </p:txBody>
-      </p:sp>
-      <p:pic>
-        <p:nvPicPr>
-          <p:cNvPr id="23" name="Marcador de posición de imagen 22" descr="Mujer sentada en una silla&#10;&#10;Descripción generada automáticamente con confianza media">
-            <a:extLst>
-              <a:ext uri="{FF2B5EF4-FFF2-40B4-BE49-F238E27FC236}">
-                <a16:creationId xmlns:a16="http://schemas.microsoft.com/office/drawing/2014/main" id="{C8EC0969-007F-1F82-2FAC-763C715F2A62}"/>
-              </a:ext>
-            </a:extLst>
-          </p:cNvPr>
-          <p:cNvPicPr>
-            <a:picLocks noGrp="1" noChangeAspect="1"/>
-          </p:cNvPicPr>
-          <p:nvPr>
-            <p:ph type="pic" sz="quarter" idx="10"/>
-          </p:nvPr>
-        </p:nvPicPr>
-        <p:blipFill>
-          <a:blip r:embed="rId2">
-            <a:extLst>
-              <a:ext uri="{28A0092B-C50C-407E-A947-70E740481C1C}">
-                <a14:useLocalDpi xmlns:a14="http://schemas.microsoft.com/office/drawing/2010/main" val="0"/>
-              </a:ext>
-            </a:extLst>
-          </a:blip>
-          <a:srcRect t="12087" b="12087"/>
-          <a:stretch>
-            <a:fillRect/>
-          </a:stretch>
-        </p:blipFill>
-        <p:spPr/>
-      </p:pic>
-    </p:spTree>
-    <p:extLst>
-      <p:ext uri="{BB962C8B-B14F-4D97-AF65-F5344CB8AC3E}">
-        <p14:creationId xmlns:p14="http://schemas.microsoft.com/office/powerpoint/2010/main" val="2503610207"/>
-      </p:ext>
-    </p:extLst>
-  </p:cSld>
-  <p:clrMapOvr>
-    <a:masterClrMapping/>
-  </p:clrMapOvr>
-</p:sld>
-</file>
-
-<file path=ppt/slides/slide31.xml><?xml version="1.0" encoding="utf-8"?>
 <p:sld xmlns:a="http://schemas.openxmlformats.org/drawingml/2006/main" xmlns:r="http://schemas.openxmlformats.org/officeDocument/2006/relationships" xmlns:p="http://schemas.openxmlformats.org/presentationml/2006/main">
   <p:cSld>
     <p:spTree>
@@ -9479,6 +9538,194 @@
 </p:sld>
 </file>
 
+<file path=ppt/slides/slide31.xml><?xml version="1.0" encoding="utf-8"?>
+<p:sld xmlns:a="http://schemas.openxmlformats.org/drawingml/2006/main" xmlns:r="http://schemas.openxmlformats.org/officeDocument/2006/relationships" xmlns:p="http://schemas.openxmlformats.org/presentationml/2006/main">
+  <p:cSld>
+    <p:spTree>
+      <p:nvGrpSpPr>
+        <p:cNvPr id="1" name=""/>
+        <p:cNvGrpSpPr/>
+        <p:nvPr/>
+      </p:nvGrpSpPr>
+      <p:grpSpPr>
+        <a:xfrm>
+          <a:off x="0" y="0"/>
+          <a:ext cx="0" cy="0"/>
+          <a:chOff x="0" y="0"/>
+          <a:chExt cx="0" cy="0"/>
+        </a:xfrm>
+      </p:grpSpPr>
+      <p:sp>
+        <p:nvSpPr>
+          <p:cNvPr id="2" name="Title 1">
+            <a:extLst>
+              <a:ext uri="{FF2B5EF4-FFF2-40B4-BE49-F238E27FC236}">
+                <a16:creationId xmlns:a16="http://schemas.microsoft.com/office/drawing/2014/main" id="{29504C8F-A3F2-456D-B27D-5E9CA38618E4}"/>
+              </a:ext>
+            </a:extLst>
+          </p:cNvPr>
+          <p:cNvSpPr>
+            <a:spLocks noGrp="1"/>
+          </p:cNvSpPr>
+          <p:nvPr>
+            <p:ph type="title"/>
+          </p:nvPr>
+        </p:nvSpPr>
+        <p:spPr/>
+        <p:txBody>
+          <a:bodyPr/>
+          <a:lstStyle/>
+          <a:p>
+            <a:r>
+              <a:rPr lang="es-ES" dirty="0"/>
+              <a:t>¿Qué son los </a:t>
+            </a:r>
+            <a:r>
+              <a:rPr lang="es-ES" dirty="0" err="1"/>
+              <a:t>services</a:t>
+            </a:r>
+            <a:r>
+              <a:rPr lang="es-ES" dirty="0"/>
+              <a:t>?</a:t>
+            </a:r>
+            <a:endParaRPr lang="en-US" dirty="0"/>
+          </a:p>
+        </p:txBody>
+      </p:sp>
+      <p:sp>
+        <p:nvSpPr>
+          <p:cNvPr id="3" name="Content Placeholder 2">
+            <a:extLst>
+              <a:ext uri="{FF2B5EF4-FFF2-40B4-BE49-F238E27FC236}">
+                <a16:creationId xmlns:a16="http://schemas.microsoft.com/office/drawing/2014/main" id="{FD7807DC-339B-428F-9F06-EC64C143F03B}"/>
+              </a:ext>
+            </a:extLst>
+          </p:cNvPr>
+          <p:cNvSpPr>
+            <a:spLocks noGrp="1"/>
+          </p:cNvSpPr>
+          <p:nvPr>
+            <p:ph sz="half" idx="10"/>
+          </p:nvPr>
+        </p:nvSpPr>
+        <p:spPr/>
+        <p:txBody>
+          <a:bodyPr/>
+          <a:lstStyle/>
+          <a:p>
+            <a:r>
+              <a:rPr lang="es-ES" dirty="0"/>
+              <a:t>Proveen un punto de acceso para uno o más </a:t>
+            </a:r>
+            <a:r>
+              <a:rPr lang="es-ES" dirty="0" err="1"/>
+              <a:t>Pods</a:t>
+            </a:r>
+            <a:endParaRPr lang="es-ES" dirty="0"/>
+          </a:p>
+          <a:p>
+            <a:r>
+              <a:rPr lang="es-ES" dirty="0"/>
+              <a:t>Ya que los </a:t>
+            </a:r>
+            <a:r>
+              <a:rPr lang="es-ES" dirty="0" err="1"/>
+              <a:t>Pods</a:t>
+            </a:r>
+            <a:r>
+              <a:rPr lang="es-ES" dirty="0"/>
+              <a:t> viven y mueren, escalan, etc. No podemos confiar en </a:t>
+            </a:r>
+            <a:r>
+              <a:rPr lang="es-ES" dirty="0" err="1"/>
+              <a:t>IPs</a:t>
+            </a:r>
+            <a:endParaRPr lang="es-ES" dirty="0"/>
+          </a:p>
+          <a:p>
+            <a:r>
+              <a:rPr lang="es-ES" dirty="0"/>
+              <a:t>Además, reciben la IP una vez creados</a:t>
+            </a:r>
+          </a:p>
+          <a:p>
+            <a:r>
+              <a:rPr lang="es-ES" dirty="0"/>
+              <a:t>Abstraen los servicios de la IP</a:t>
+            </a:r>
+          </a:p>
+          <a:p>
+            <a:r>
+              <a:rPr lang="es-ES" dirty="0"/>
+              <a:t>Load balance</a:t>
+            </a:r>
+          </a:p>
+          <a:p>
+            <a:r>
+              <a:rPr lang="es-ES" dirty="0"/>
+              <a:t>Asocian </a:t>
+            </a:r>
+            <a:r>
+              <a:rPr lang="es-ES" dirty="0" err="1"/>
+              <a:t>Pods</a:t>
+            </a:r>
+            <a:r>
+              <a:rPr lang="es-ES" dirty="0"/>
+              <a:t> a través del </a:t>
+            </a:r>
+            <a:r>
+              <a:rPr lang="es-ES" dirty="0" err="1"/>
+              <a:t>labels</a:t>
+            </a:r>
+            <a:r>
+              <a:rPr lang="es-ES" dirty="0"/>
+              <a:t> (o </a:t>
+            </a:r>
+            <a:r>
+              <a:rPr lang="es-ES" dirty="0" err="1"/>
+              <a:t>deployments</a:t>
+            </a:r>
+            <a:r>
+              <a:rPr lang="es-ES" dirty="0"/>
+              <a:t>)</a:t>
+            </a:r>
+          </a:p>
+          <a:p>
+            <a:r>
+              <a:rPr lang="es-ES" dirty="0"/>
+              <a:t>Son permanentes</a:t>
+            </a:r>
+          </a:p>
+          <a:p>
+            <a:endParaRPr lang="en-US" dirty="0"/>
+          </a:p>
+        </p:txBody>
+      </p:sp>
+    </p:spTree>
+    <p:extLst>
+      <p:ext uri="{BB962C8B-B14F-4D97-AF65-F5344CB8AC3E}">
+        <p14:creationId xmlns:p14="http://schemas.microsoft.com/office/powerpoint/2010/main" val="3250351820"/>
+      </p:ext>
+    </p:extLst>
+  </p:cSld>
+  <p:clrMapOvr>
+    <a:masterClrMapping/>
+  </p:clrMapOvr>
+  <mc:AlternateContent xmlns:mc="http://schemas.openxmlformats.org/markup-compatibility/2006" xmlns:p159="http://schemas.microsoft.com/office/powerpoint/2015/09/main">
+    <mc:Choice Requires="p159">
+      <p:transition xmlns:p14="http://schemas.microsoft.com/office/powerpoint/2010/main" spd="slow" p14:dur="2000">
+        <p159:morph option="byObject"/>
+      </p:transition>
+    </mc:Choice>
+    <mc:Fallback xmlns="">
+      <p:transition spd="slow">
+        <p:fade/>
+      </p:transition>
+    </mc:Fallback>
+  </mc:AlternateContent>
+</p:sld>
+</file>
+
 <file path=ppt/slides/slide32.xml><?xml version="1.0" encoding="utf-8"?>
 <p:sld xmlns:a="http://schemas.openxmlformats.org/drawingml/2006/main" xmlns:r="http://schemas.openxmlformats.org/officeDocument/2006/relationships" xmlns:p="http://schemas.openxmlformats.org/presentationml/2006/main">
   <p:cSld>
@@ -9501,7 +9748,7 @@
           <p:cNvPr id="2" name="Title 1">
             <a:extLst>
               <a:ext uri="{FF2B5EF4-FFF2-40B4-BE49-F238E27FC236}">
-                <a16:creationId xmlns:a16="http://schemas.microsoft.com/office/drawing/2014/main" id="{29504C8F-A3F2-456D-B27D-5E9CA38618E4}"/>
+                <a16:creationId xmlns:a16="http://schemas.microsoft.com/office/drawing/2014/main" id="{6F268146-2421-4B52-ACEF-41E7EB3230FA}"/>
               </a:ext>
             </a:extLst>
           </p:cNvPr>
@@ -9519,15 +9766,11 @@
           <a:p>
             <a:r>
               <a:rPr lang="es-ES" dirty="0"/>
-              <a:t>¿Qué son los </a:t>
+              <a:t>Tipos de </a:t>
             </a:r>
             <a:r>
               <a:rPr lang="es-ES" dirty="0" err="1"/>
               <a:t>services</a:t>
-            </a:r>
-            <a:r>
-              <a:rPr lang="es-ES" dirty="0"/>
-              <a:t>?</a:t>
             </a:r>
             <a:endParaRPr lang="en-US" dirty="0"/>
           </a:p>
@@ -9538,7 +9781,7 @@
           <p:cNvPr id="3" name="Content Placeholder 2">
             <a:extLst>
               <a:ext uri="{FF2B5EF4-FFF2-40B4-BE49-F238E27FC236}">
-                <a16:creationId xmlns:a16="http://schemas.microsoft.com/office/drawing/2014/main" id="{FD7807DC-339B-428F-9F06-EC64C143F03B}"/>
+                <a16:creationId xmlns:a16="http://schemas.microsoft.com/office/drawing/2014/main" id="{AD37A6D5-7F55-4566-BCF8-8CD4BD0C4DC5}"/>
               </a:ext>
             </a:extLst>
           </p:cNvPr>
@@ -9555,76 +9798,44 @@
           <a:lstStyle/>
           <a:p>
             <a:r>
+              <a:rPr lang="es-ES" dirty="0" err="1"/>
+              <a:t>ClusterIP</a:t>
+            </a:r>
+            <a:r>
               <a:rPr lang="es-ES" dirty="0"/>
-              <a:t>Proveen un punto de acceso para uno o más </a:t>
+              <a:t>: IP interno a nivel </a:t>
             </a:r>
             <a:r>
               <a:rPr lang="es-ES" dirty="0" err="1"/>
-              <a:t>Pods</a:t>
-            </a:r>
-            <a:endParaRPr lang="es-ES" dirty="0"/>
-          </a:p>
-          <a:p>
+              <a:t>cluster</a:t>
+            </a:r>
             <a:r>
               <a:rPr lang="es-ES" dirty="0"/>
-              <a:t>Ya que los </a:t>
-            </a:r>
+              <a:t> (default)</a:t>
+            </a:r>
+          </a:p>
+          <a:p>
             <a:r>
               <a:rPr lang="es-ES" dirty="0" err="1"/>
-              <a:t>Pods</a:t>
+              <a:t>NodePort</a:t>
             </a:r>
             <a:r>
               <a:rPr lang="es-ES" dirty="0"/>
-              <a:t> viven y mueren, escalan, etc. No podemos confiar en </a:t>
-            </a:r>
+              <a:t>: Un servicio con un puerto fijo en cada IP del nodo</a:t>
+            </a:r>
+          </a:p>
+          <a:p>
             <a:r>
               <a:rPr lang="es-ES" dirty="0" err="1"/>
-              <a:t>IPs</a:t>
-            </a:r>
-            <a:endParaRPr lang="es-ES" dirty="0"/>
-          </a:p>
-          <a:p>
+              <a:t>LoadBalancer</a:t>
+            </a:r>
             <a:r>
               <a:rPr lang="es-ES" dirty="0"/>
-              <a:t>Además, reciben la IP una vez creados</a:t>
-            </a:r>
-          </a:p>
-          <a:p>
-            <a:r>
-              <a:rPr lang="es-ES" dirty="0"/>
-              <a:t>Abstraen los servicios de la IP</a:t>
-            </a:r>
-          </a:p>
-          <a:p>
-            <a:r>
-              <a:rPr lang="es-ES" dirty="0"/>
-              <a:t>Load balance</a:t>
-            </a:r>
-          </a:p>
-          <a:p>
-            <a:r>
-              <a:rPr lang="es-ES" dirty="0"/>
-              <a:t>Asocian </a:t>
+              <a:t>: IP externo del Nodo (hace visible al nodo a nivel </a:t>
             </a:r>
             <a:r>
               <a:rPr lang="es-ES" dirty="0" err="1"/>
-              <a:t>Pods</a:t>
-            </a:r>
-            <a:r>
-              <a:rPr lang="es-ES" dirty="0"/>
-              <a:t> a través del </a:t>
-            </a:r>
-            <a:r>
-              <a:rPr lang="es-ES" dirty="0" err="1"/>
-              <a:t>labels</a:t>
-            </a:r>
-            <a:r>
-              <a:rPr lang="es-ES" dirty="0"/>
-              <a:t> (o </a:t>
-            </a:r>
-            <a:r>
-              <a:rPr lang="es-ES" dirty="0" err="1"/>
-              <a:t>deployments</a:t>
+              <a:t>cluster</a:t>
             </a:r>
             <a:r>
               <a:rPr lang="es-ES" dirty="0"/>
@@ -9633,8 +9844,20 @@
           </a:p>
           <a:p>
             <a:r>
+              <a:rPr lang="es-ES" dirty="0" err="1"/>
+              <a:t>ExternalName</a:t>
+            </a:r>
+            <a:r>
               <a:rPr lang="es-ES" dirty="0"/>
-              <a:t>Son permanentes</a:t>
+              <a:t>: Genera un DNS </a:t>
+            </a:r>
+            <a:r>
+              <a:rPr lang="es-ES" dirty="0" err="1"/>
+              <a:t>name</a:t>
+            </a:r>
+            <a:r>
+              <a:rPr lang="es-ES" dirty="0"/>
+              <a:t> a un servicio externo</a:t>
             </a:r>
           </a:p>
           <a:p>
@@ -9645,7 +9868,7 @@
     </p:spTree>
     <p:extLst>
       <p:ext uri="{BB962C8B-B14F-4D97-AF65-F5344CB8AC3E}">
-        <p14:creationId xmlns:p14="http://schemas.microsoft.com/office/powerpoint/2010/main" val="3250351820"/>
+        <p14:creationId xmlns:p14="http://schemas.microsoft.com/office/powerpoint/2010/main" val="3520450469"/>
       </p:ext>
     </p:extLst>
   </p:cSld>
@@ -9686,170 +9909,6 @@
       </p:grpSpPr>
       <p:sp>
         <p:nvSpPr>
-          <p:cNvPr id="2" name="Title 1">
-            <a:extLst>
-              <a:ext uri="{FF2B5EF4-FFF2-40B4-BE49-F238E27FC236}">
-                <a16:creationId xmlns:a16="http://schemas.microsoft.com/office/drawing/2014/main" id="{6F268146-2421-4B52-ACEF-41E7EB3230FA}"/>
-              </a:ext>
-            </a:extLst>
-          </p:cNvPr>
-          <p:cNvSpPr>
-            <a:spLocks noGrp="1"/>
-          </p:cNvSpPr>
-          <p:nvPr>
-            <p:ph type="title"/>
-          </p:nvPr>
-        </p:nvSpPr>
-        <p:spPr/>
-        <p:txBody>
-          <a:bodyPr/>
-          <a:lstStyle/>
-          <a:p>
-            <a:r>
-              <a:rPr lang="es-ES" dirty="0"/>
-              <a:t>Tipos de </a:t>
-            </a:r>
-            <a:r>
-              <a:rPr lang="es-ES" dirty="0" err="1"/>
-              <a:t>services</a:t>
-            </a:r>
-            <a:endParaRPr lang="en-US" dirty="0"/>
-          </a:p>
-        </p:txBody>
-      </p:sp>
-      <p:sp>
-        <p:nvSpPr>
-          <p:cNvPr id="3" name="Content Placeholder 2">
-            <a:extLst>
-              <a:ext uri="{FF2B5EF4-FFF2-40B4-BE49-F238E27FC236}">
-                <a16:creationId xmlns:a16="http://schemas.microsoft.com/office/drawing/2014/main" id="{AD37A6D5-7F55-4566-BCF8-8CD4BD0C4DC5}"/>
-              </a:ext>
-            </a:extLst>
-          </p:cNvPr>
-          <p:cNvSpPr>
-            <a:spLocks noGrp="1"/>
-          </p:cNvSpPr>
-          <p:nvPr>
-            <p:ph sz="half" idx="10"/>
-          </p:nvPr>
-        </p:nvSpPr>
-        <p:spPr/>
-        <p:txBody>
-          <a:bodyPr/>
-          <a:lstStyle/>
-          <a:p>
-            <a:r>
-              <a:rPr lang="es-ES" dirty="0" err="1"/>
-              <a:t>ClusterIP</a:t>
-            </a:r>
-            <a:r>
-              <a:rPr lang="es-ES" dirty="0"/>
-              <a:t>: IP interno a nivel </a:t>
-            </a:r>
-            <a:r>
-              <a:rPr lang="es-ES" dirty="0" err="1"/>
-              <a:t>cluster</a:t>
-            </a:r>
-            <a:r>
-              <a:rPr lang="es-ES" dirty="0"/>
-              <a:t> (default)</a:t>
-            </a:r>
-          </a:p>
-          <a:p>
-            <a:r>
-              <a:rPr lang="es-ES" dirty="0" err="1"/>
-              <a:t>NodePort</a:t>
-            </a:r>
-            <a:r>
-              <a:rPr lang="es-ES" dirty="0"/>
-              <a:t>: Un servicio con un puerto fijo en cada IP del nodo</a:t>
-            </a:r>
-          </a:p>
-          <a:p>
-            <a:r>
-              <a:rPr lang="es-ES" dirty="0" err="1"/>
-              <a:t>LoadBalancer</a:t>
-            </a:r>
-            <a:r>
-              <a:rPr lang="es-ES" dirty="0"/>
-              <a:t>: IP externo del Nodo (hace visible al nodo a nivel </a:t>
-            </a:r>
-            <a:r>
-              <a:rPr lang="es-ES" dirty="0" err="1"/>
-              <a:t>cluster</a:t>
-            </a:r>
-            <a:r>
-              <a:rPr lang="es-ES" dirty="0"/>
-              <a:t>)</a:t>
-            </a:r>
-          </a:p>
-          <a:p>
-            <a:r>
-              <a:rPr lang="es-ES" dirty="0" err="1"/>
-              <a:t>ExternalName</a:t>
-            </a:r>
-            <a:r>
-              <a:rPr lang="es-ES" dirty="0"/>
-              <a:t>: Genera un DNS </a:t>
-            </a:r>
-            <a:r>
-              <a:rPr lang="es-ES" dirty="0" err="1"/>
-              <a:t>name</a:t>
-            </a:r>
-            <a:r>
-              <a:rPr lang="es-ES" dirty="0"/>
-              <a:t> a un servicio externo</a:t>
-            </a:r>
-          </a:p>
-          <a:p>
-            <a:endParaRPr lang="en-US" dirty="0"/>
-          </a:p>
-        </p:txBody>
-      </p:sp>
-    </p:spTree>
-    <p:extLst>
-      <p:ext uri="{BB962C8B-B14F-4D97-AF65-F5344CB8AC3E}">
-        <p14:creationId xmlns:p14="http://schemas.microsoft.com/office/powerpoint/2010/main" val="3520450469"/>
-      </p:ext>
-    </p:extLst>
-  </p:cSld>
-  <p:clrMapOvr>
-    <a:masterClrMapping/>
-  </p:clrMapOvr>
-  <mc:AlternateContent xmlns:mc="http://schemas.openxmlformats.org/markup-compatibility/2006" xmlns:p159="http://schemas.microsoft.com/office/powerpoint/2015/09/main">
-    <mc:Choice Requires="p159">
-      <p:transition xmlns:p14="http://schemas.microsoft.com/office/powerpoint/2010/main" spd="slow" p14:dur="2000">
-        <p159:morph option="byObject"/>
-      </p:transition>
-    </mc:Choice>
-    <mc:Fallback xmlns="">
-      <p:transition spd="slow">
-        <p:fade/>
-      </p:transition>
-    </mc:Fallback>
-  </mc:AlternateContent>
-</p:sld>
-</file>
-
-<file path=ppt/slides/slide34.xml><?xml version="1.0" encoding="utf-8"?>
-<p:sld xmlns:a="http://schemas.openxmlformats.org/drawingml/2006/main" xmlns:r="http://schemas.openxmlformats.org/officeDocument/2006/relationships" xmlns:p="http://schemas.openxmlformats.org/presentationml/2006/main">
-  <p:cSld>
-    <p:spTree>
-      <p:nvGrpSpPr>
-        <p:cNvPr id="1" name=""/>
-        <p:cNvGrpSpPr/>
-        <p:nvPr/>
-      </p:nvGrpSpPr>
-      <p:grpSpPr>
-        <a:xfrm>
-          <a:off x="0" y="0"/>
-          <a:ext cx="0" cy="0"/>
-          <a:chOff x="0" y="0"/>
-          <a:chExt cx="0" cy="0"/>
-        </a:xfrm>
-      </p:grpSpPr>
-      <p:sp>
-        <p:nvSpPr>
           <p:cNvPr id="4" name="Title 3">
             <a:extLst>
               <a:ext uri="{FF2B5EF4-FFF2-40B4-BE49-F238E27FC236}">
@@ -9911,7 +9970,7 @@
 </p:sld>
 </file>
 
-<file path=ppt/slides/slide35.xml><?xml version="1.0" encoding="utf-8"?>
+<file path=ppt/slides/slide34.xml><?xml version="1.0" encoding="utf-8"?>
 <p:sld xmlns:a="http://schemas.openxmlformats.org/drawingml/2006/main" xmlns:r="http://schemas.openxmlformats.org/officeDocument/2006/relationships" xmlns:p="http://schemas.openxmlformats.org/presentationml/2006/main">
   <p:cSld>
     <p:spTree>
@@ -10122,7 +10181,7 @@
 </p:sld>
 </file>
 
-<file path=ppt/slides/slide36.xml><?xml version="1.0" encoding="utf-8"?>
+<file path=ppt/slides/slide35.xml><?xml version="1.0" encoding="utf-8"?>
 <p:sld xmlns:a="http://schemas.openxmlformats.org/drawingml/2006/main" xmlns:r="http://schemas.openxmlformats.org/officeDocument/2006/relationships" xmlns:p="http://schemas.openxmlformats.org/presentationml/2006/main">
   <p:cSld>
     <p:spTree>
@@ -10194,7 +10253,7 @@
 </p:sld>
 </file>
 
-<file path=ppt/slides/slide37.xml><?xml version="1.0" encoding="utf-8"?>
+<file path=ppt/slides/slide36.xml><?xml version="1.0" encoding="utf-8"?>
 <p:sld xmlns:a="http://schemas.openxmlformats.org/drawingml/2006/main" xmlns:r="http://schemas.openxmlformats.org/officeDocument/2006/relationships" xmlns:p="http://schemas.openxmlformats.org/presentationml/2006/main">
   <p:cSld>
     <p:spTree>
@@ -10321,7 +10380,7 @@
 </p:sld>
 </file>
 
-<file path=ppt/slides/slide38.xml><?xml version="1.0" encoding="utf-8"?>
+<file path=ppt/slides/slide37.xml><?xml version="1.0" encoding="utf-8"?>
 <p:sld xmlns:a="http://schemas.openxmlformats.org/drawingml/2006/main" xmlns:r="http://schemas.openxmlformats.org/officeDocument/2006/relationships" xmlns:p="http://schemas.openxmlformats.org/presentationml/2006/main">
   <p:cSld>
     <p:spTree>
@@ -10452,7 +10511,7 @@
 </p:sld>
 </file>
 
-<file path=ppt/slides/slide39.xml><?xml version="1.0" encoding="utf-8"?>
+<file path=ppt/slides/slide38.xml><?xml version="1.0" encoding="utf-8"?>
 <p:sld xmlns:a="http://schemas.openxmlformats.org/drawingml/2006/main" xmlns:r="http://schemas.openxmlformats.org/officeDocument/2006/relationships" xmlns:p="http://schemas.openxmlformats.org/presentationml/2006/main">
   <p:cSld>
     <p:spTree>
@@ -10609,366 +10668,7 @@
 </p:sld>
 </file>
 
-<file path=ppt/slides/slide4.xml><?xml version="1.0" encoding="utf-8"?>
-<p:sld xmlns:a="http://schemas.openxmlformats.org/drawingml/2006/main" xmlns:r="http://schemas.openxmlformats.org/officeDocument/2006/relationships" xmlns:p="http://schemas.openxmlformats.org/presentationml/2006/main">
-  <p:cSld>
-    <p:spTree>
-      <p:nvGrpSpPr>
-        <p:cNvPr id="1" name=""/>
-        <p:cNvGrpSpPr/>
-        <p:nvPr/>
-      </p:nvGrpSpPr>
-      <p:grpSpPr>
-        <a:xfrm>
-          <a:off x="0" y="0"/>
-          <a:ext cx="0" cy="0"/>
-          <a:chOff x="0" y="0"/>
-          <a:chExt cx="0" cy="0"/>
-        </a:xfrm>
-      </p:grpSpPr>
-      <p:sp>
-        <p:nvSpPr>
-          <p:cNvPr id="2" name="TextBox 1">
-            <a:extLst>
-              <a:ext uri="{FF2B5EF4-FFF2-40B4-BE49-F238E27FC236}">
-                <a16:creationId xmlns:a16="http://schemas.microsoft.com/office/drawing/2014/main" id="{E8450876-1DF3-480D-B0A2-EAE6B9BC2B9C}"/>
-              </a:ext>
-            </a:extLst>
-          </p:cNvPr>
-          <p:cNvSpPr txBox="1">
-            <a:spLocks noGrp="1" noRot="1" noMove="1" noResize="1" noEditPoints="1" noAdjustHandles="1" noChangeArrowheads="1" noChangeShapeType="1"/>
-          </p:cNvSpPr>
-          <p:nvPr/>
-        </p:nvSpPr>
-        <p:spPr>
-          <a:xfrm>
-            <a:off x="78974" y="6432314"/>
-            <a:ext cx="1769835" cy="261610"/>
-          </a:xfrm>
-          <a:prstGeom prst="rect">
-            <a:avLst/>
-          </a:prstGeom>
-          <a:noFill/>
-        </p:spPr>
-        <p:txBody>
-          <a:bodyPr wrap="square" rtlCol="0">
-            <a:spAutoFit/>
-          </a:bodyPr>
-          <a:lstStyle/>
-          <a:p>
-            <a:r>
-              <a:rPr lang="en-US" sz="1100" dirty="0">
-                <a:solidFill>
-                  <a:schemeClr val="tx1">
-                    <a:lumMod val="25000"/>
-                    <a:lumOff val="75000"/>
-                  </a:schemeClr>
-                </a:solidFill>
-                <a:latin typeface="+mj-lt"/>
-              </a:rPr>
-              <a:t>dotnet LATAM day</a:t>
-            </a:r>
-            <a:endParaRPr lang="en-ID" sz="1100" dirty="0">
-              <a:solidFill>
-                <a:schemeClr val="tx1">
-                  <a:lumMod val="25000"/>
-                  <a:lumOff val="75000"/>
-                </a:schemeClr>
-              </a:solidFill>
-              <a:latin typeface="+mj-lt"/>
-            </a:endParaRPr>
-          </a:p>
-        </p:txBody>
-      </p:sp>
-      <p:sp>
-        <p:nvSpPr>
-          <p:cNvPr id="3" name="TextBox 2">
-            <a:extLst>
-              <a:ext uri="{FF2B5EF4-FFF2-40B4-BE49-F238E27FC236}">
-                <a16:creationId xmlns:a16="http://schemas.microsoft.com/office/drawing/2014/main" id="{6AB06D9E-DA46-45DD-A702-CF75D8C1D9F4}"/>
-              </a:ext>
-            </a:extLst>
-          </p:cNvPr>
-          <p:cNvSpPr txBox="1"/>
-          <p:nvPr/>
-        </p:nvSpPr>
-        <p:spPr>
-          <a:xfrm>
-            <a:off x="9966780" y="485809"/>
-            <a:ext cx="1769835" cy="261610"/>
-          </a:xfrm>
-          <a:prstGeom prst="rect">
-            <a:avLst/>
-          </a:prstGeom>
-          <a:noFill/>
-        </p:spPr>
-        <p:txBody>
-          <a:bodyPr wrap="square" rtlCol="0">
-            <a:spAutoFit/>
-          </a:bodyPr>
-          <a:lstStyle/>
-          <a:p>
-            <a:pPr algn="r"/>
-            <a:r>
-              <a:rPr lang="en-US" sz="1100">
-                <a:solidFill>
-                  <a:schemeClr val="bg2"/>
-                </a:solidFill>
-                <a:latin typeface="+mj-lt"/>
-              </a:rPr>
-              <a:t>June 2023</a:t>
-            </a:r>
-            <a:endParaRPr lang="en-ID" sz="1100">
-              <a:solidFill>
-                <a:schemeClr val="bg2"/>
-              </a:solidFill>
-              <a:latin typeface="+mj-lt"/>
-            </a:endParaRPr>
-          </a:p>
-        </p:txBody>
-      </p:sp>
-      <p:sp>
-        <p:nvSpPr>
-          <p:cNvPr id="5" name="TextBox 4">
-            <a:extLst>
-              <a:ext uri="{FF2B5EF4-FFF2-40B4-BE49-F238E27FC236}">
-                <a16:creationId xmlns:a16="http://schemas.microsoft.com/office/drawing/2014/main" id="{D98CBE50-2056-45C2-8EA6-FCCF7D83C9AA}"/>
-              </a:ext>
-            </a:extLst>
-          </p:cNvPr>
-          <p:cNvSpPr txBox="1"/>
-          <p:nvPr/>
-        </p:nvSpPr>
-        <p:spPr>
-          <a:xfrm>
-            <a:off x="400623" y="1496917"/>
-            <a:ext cx="5534956" cy="4031873"/>
-          </a:xfrm>
-          <a:prstGeom prst="rect">
-            <a:avLst/>
-          </a:prstGeom>
-          <a:noFill/>
-        </p:spPr>
-        <p:txBody>
-          <a:bodyPr wrap="square" rtlCol="0">
-            <a:spAutoFit/>
-          </a:bodyPr>
-          <a:lstStyle/>
-          <a:p>
-            <a:pPr marL="457200" indent="-457200">
-              <a:buFont typeface="Arial" panose="020B0604020202020204" pitchFamily="34" charset="0"/>
-              <a:buChar char="•"/>
-            </a:pPr>
-            <a:r>
-              <a:rPr lang="es-ES" sz="3200" dirty="0">
-                <a:solidFill>
-                  <a:srgbClr val="564E9F"/>
-                </a:solidFill>
-                <a:latin typeface="+mj-lt"/>
-              </a:rPr>
-              <a:t>Conceptos generales de </a:t>
-            </a:r>
-            <a:r>
-              <a:rPr lang="es-ES" sz="3200" dirty="0" err="1">
-                <a:solidFill>
-                  <a:srgbClr val="564E9F"/>
-                </a:solidFill>
-                <a:latin typeface="+mj-lt"/>
-              </a:rPr>
-              <a:t>Kubernetes</a:t>
-            </a:r>
-            <a:endParaRPr lang="es-ES" sz="3200" dirty="0">
-              <a:solidFill>
-                <a:srgbClr val="564E9F"/>
-              </a:solidFill>
-              <a:latin typeface="+mj-lt"/>
-            </a:endParaRPr>
-          </a:p>
-          <a:p>
-            <a:pPr marL="457200" indent="-457200">
-              <a:buFont typeface="Arial" panose="020B0604020202020204" pitchFamily="34" charset="0"/>
-              <a:buChar char="•"/>
-            </a:pPr>
-            <a:r>
-              <a:rPr lang="es-ES" sz="3200" dirty="0">
-                <a:solidFill>
-                  <a:srgbClr val="564E9F"/>
-                </a:solidFill>
-                <a:latin typeface="+mj-lt"/>
-              </a:rPr>
-              <a:t>Componentes y cómo se relacionan entre si</a:t>
-            </a:r>
-          </a:p>
-          <a:p>
-            <a:pPr marL="457200" indent="-457200">
-              <a:buFont typeface="Arial" panose="020B0604020202020204" pitchFamily="34" charset="0"/>
-              <a:buChar char="•"/>
-            </a:pPr>
-            <a:r>
-              <a:rPr lang="es-ES" sz="3200" dirty="0">
-                <a:solidFill>
-                  <a:srgbClr val="564E9F"/>
-                </a:solidFill>
-                <a:latin typeface="+mj-lt"/>
-              </a:rPr>
-              <a:t>Simplificado y resumido</a:t>
-            </a:r>
-          </a:p>
-          <a:p>
-            <a:pPr marL="457200" indent="-457200">
-              <a:buFont typeface="Arial" panose="020B0604020202020204" pitchFamily="34" charset="0"/>
-              <a:buChar char="•"/>
-            </a:pPr>
-            <a:r>
-              <a:rPr lang="es-ES" sz="3200" dirty="0">
-                <a:solidFill>
-                  <a:srgbClr val="564E9F"/>
-                </a:solidFill>
-                <a:latin typeface="+mj-lt"/>
-              </a:rPr>
-              <a:t>Desde el punto de vista de un </a:t>
-            </a:r>
-            <a:r>
-              <a:rPr lang="es-ES" sz="3200" dirty="0" err="1">
-                <a:solidFill>
-                  <a:srgbClr val="564E9F"/>
-                </a:solidFill>
-                <a:latin typeface="+mj-lt"/>
-              </a:rPr>
-              <a:t>developer</a:t>
-            </a:r>
-            <a:r>
-              <a:rPr lang="es-ES" sz="3200" dirty="0">
-                <a:solidFill>
-                  <a:srgbClr val="564E9F"/>
-                </a:solidFill>
-                <a:latin typeface="+mj-lt"/>
-              </a:rPr>
-              <a:t> (nada de </a:t>
-            </a:r>
-            <a:r>
-              <a:rPr lang="es-ES" sz="3200" dirty="0" err="1">
-                <a:solidFill>
-                  <a:srgbClr val="564E9F"/>
-                </a:solidFill>
-                <a:latin typeface="+mj-lt"/>
-              </a:rPr>
-              <a:t>networking</a:t>
-            </a:r>
-            <a:r>
-              <a:rPr lang="es-ES" sz="3200" dirty="0">
-                <a:solidFill>
-                  <a:srgbClr val="564E9F"/>
-                </a:solidFill>
-                <a:latin typeface="+mj-lt"/>
-              </a:rPr>
-              <a:t>)</a:t>
-            </a:r>
-          </a:p>
-        </p:txBody>
-      </p:sp>
-      <p:sp>
-        <p:nvSpPr>
-          <p:cNvPr id="6" name="Rectángulo 5">
-            <a:extLst>
-              <a:ext uri="{FF2B5EF4-FFF2-40B4-BE49-F238E27FC236}">
-                <a16:creationId xmlns:a16="http://schemas.microsoft.com/office/drawing/2014/main" id="{5E609F02-15C6-B440-31CB-11E30AFE9202}"/>
-              </a:ext>
-            </a:extLst>
-          </p:cNvPr>
-          <p:cNvSpPr/>
-          <p:nvPr/>
-        </p:nvSpPr>
-        <p:spPr>
-          <a:xfrm>
-            <a:off x="6096000" y="0"/>
-            <a:ext cx="6096000" cy="6858000"/>
-          </a:xfrm>
-          <a:prstGeom prst="rect">
-            <a:avLst/>
-          </a:prstGeom>
-          <a:solidFill>
-            <a:srgbClr val="564E9F"/>
-          </a:solidFill>
-          <a:ln>
-            <a:noFill/>
-          </a:ln>
-        </p:spPr>
-        <p:style>
-          <a:lnRef idx="2">
-            <a:schemeClr val="accent1">
-              <a:shade val="15000"/>
-            </a:schemeClr>
-          </a:lnRef>
-          <a:fillRef idx="1">
-            <a:schemeClr val="accent1"/>
-          </a:fillRef>
-          <a:effectRef idx="0">
-            <a:schemeClr val="accent1"/>
-          </a:effectRef>
-          <a:fontRef idx="minor">
-            <a:schemeClr val="lt1"/>
-          </a:fontRef>
-        </p:style>
-        <p:txBody>
-          <a:bodyPr rtlCol="0" anchor="ctr"/>
-          <a:lstStyle/>
-          <a:p>
-            <a:pPr algn="ctr"/>
-            <a:endParaRPr lang="en-US"/>
-          </a:p>
-        </p:txBody>
-      </p:sp>
-      <p:pic>
-        <p:nvPicPr>
-          <p:cNvPr id="9" name="Imagen 8" descr="Icono&#10;&#10;Descripción generada automáticamente con confianza media">
-            <a:extLst>
-              <a:ext uri="{FF2B5EF4-FFF2-40B4-BE49-F238E27FC236}">
-                <a16:creationId xmlns:a16="http://schemas.microsoft.com/office/drawing/2014/main" id="{924B98BB-2DDA-1195-0D10-E73CB1A87DF6}"/>
-              </a:ext>
-            </a:extLst>
-          </p:cNvPr>
-          <p:cNvPicPr>
-            <a:picLocks noGrp="1" noRot="1" noChangeAspect="1" noMove="1" noResize="1" noEditPoints="1" noAdjustHandles="1" noChangeArrowheads="1" noChangeShapeType="1" noCrop="1"/>
-          </p:cNvPicPr>
-          <p:nvPr/>
-        </p:nvPicPr>
-        <p:blipFill>
-          <a:blip r:embed="rId2">
-            <a:extLst>
-              <a:ext uri="{28A0092B-C50C-407E-A947-70E740481C1C}">
-                <a14:useLocalDpi xmlns:a14="http://schemas.microsoft.com/office/drawing/2010/main" val="0"/>
-              </a:ext>
-            </a:extLst>
-          </a:blip>
-          <a:stretch>
-            <a:fillRect/>
-          </a:stretch>
-        </p:blipFill>
-        <p:spPr>
-          <a:xfrm>
-            <a:off x="1287345" y="6317266"/>
-            <a:ext cx="459962" cy="491706"/>
-          </a:xfrm>
-          <a:prstGeom prst="rect">
-            <a:avLst/>
-          </a:prstGeom>
-        </p:spPr>
-      </p:pic>
-    </p:spTree>
-    <p:extLst>
-      <p:ext uri="{BB962C8B-B14F-4D97-AF65-F5344CB8AC3E}">
-        <p14:creationId xmlns:p14="http://schemas.microsoft.com/office/powerpoint/2010/main" val="3848546639"/>
-      </p:ext>
-    </p:extLst>
-  </p:cSld>
-  <p:clrMapOvr>
-    <a:masterClrMapping/>
-  </p:clrMapOvr>
-</p:sld>
-</file>
-
-<file path=ppt/slides/slide40.xml><?xml version="1.0" encoding="utf-8"?>
+<file path=ppt/slides/slide39.xml><?xml version="1.0" encoding="utf-8"?>
 <p:sld xmlns:a="http://schemas.openxmlformats.org/drawingml/2006/main" xmlns:r="http://schemas.openxmlformats.org/officeDocument/2006/relationships" xmlns:p="http://schemas.openxmlformats.org/presentationml/2006/main">
   <p:cSld>
     <p:spTree>
@@ -11040,7 +10740,366 @@
 </p:sld>
 </file>
 
-<file path=ppt/slides/slide41.xml><?xml version="1.0" encoding="utf-8"?>
+<file path=ppt/slides/slide4.xml><?xml version="1.0" encoding="utf-8"?>
+<p:sld xmlns:a="http://schemas.openxmlformats.org/drawingml/2006/main" xmlns:r="http://schemas.openxmlformats.org/officeDocument/2006/relationships" xmlns:p="http://schemas.openxmlformats.org/presentationml/2006/main">
+  <p:cSld>
+    <p:spTree>
+      <p:nvGrpSpPr>
+        <p:cNvPr id="1" name=""/>
+        <p:cNvGrpSpPr/>
+        <p:nvPr/>
+      </p:nvGrpSpPr>
+      <p:grpSpPr>
+        <a:xfrm>
+          <a:off x="0" y="0"/>
+          <a:ext cx="0" cy="0"/>
+          <a:chOff x="0" y="0"/>
+          <a:chExt cx="0" cy="0"/>
+        </a:xfrm>
+      </p:grpSpPr>
+      <p:sp>
+        <p:nvSpPr>
+          <p:cNvPr id="2" name="TextBox 1">
+            <a:extLst>
+              <a:ext uri="{FF2B5EF4-FFF2-40B4-BE49-F238E27FC236}">
+                <a16:creationId xmlns:a16="http://schemas.microsoft.com/office/drawing/2014/main" id="{E8450876-1DF3-480D-B0A2-EAE6B9BC2B9C}"/>
+              </a:ext>
+            </a:extLst>
+          </p:cNvPr>
+          <p:cNvSpPr txBox="1">
+            <a:spLocks noGrp="1" noRot="1" noMove="1" noResize="1" noEditPoints="1" noAdjustHandles="1" noChangeArrowheads="1" noChangeShapeType="1"/>
+          </p:cNvSpPr>
+          <p:nvPr/>
+        </p:nvSpPr>
+        <p:spPr>
+          <a:xfrm>
+            <a:off x="78974" y="6432314"/>
+            <a:ext cx="1769835" cy="261610"/>
+          </a:xfrm>
+          <a:prstGeom prst="rect">
+            <a:avLst/>
+          </a:prstGeom>
+          <a:noFill/>
+        </p:spPr>
+        <p:txBody>
+          <a:bodyPr wrap="square" rtlCol="0">
+            <a:spAutoFit/>
+          </a:bodyPr>
+          <a:lstStyle/>
+          <a:p>
+            <a:r>
+              <a:rPr lang="en-US" sz="1100" dirty="0">
+                <a:solidFill>
+                  <a:schemeClr val="tx1">
+                    <a:lumMod val="25000"/>
+                    <a:lumOff val="75000"/>
+                  </a:schemeClr>
+                </a:solidFill>
+                <a:latin typeface="+mj-lt"/>
+              </a:rPr>
+              <a:t>dotnet LATAM day</a:t>
+            </a:r>
+            <a:endParaRPr lang="en-ID" sz="1100" dirty="0">
+              <a:solidFill>
+                <a:schemeClr val="tx1">
+                  <a:lumMod val="25000"/>
+                  <a:lumOff val="75000"/>
+                </a:schemeClr>
+              </a:solidFill>
+              <a:latin typeface="+mj-lt"/>
+            </a:endParaRPr>
+          </a:p>
+        </p:txBody>
+      </p:sp>
+      <p:sp>
+        <p:nvSpPr>
+          <p:cNvPr id="3" name="TextBox 2">
+            <a:extLst>
+              <a:ext uri="{FF2B5EF4-FFF2-40B4-BE49-F238E27FC236}">
+                <a16:creationId xmlns:a16="http://schemas.microsoft.com/office/drawing/2014/main" id="{6AB06D9E-DA46-45DD-A702-CF75D8C1D9F4}"/>
+              </a:ext>
+            </a:extLst>
+          </p:cNvPr>
+          <p:cNvSpPr txBox="1"/>
+          <p:nvPr/>
+        </p:nvSpPr>
+        <p:spPr>
+          <a:xfrm>
+            <a:off x="9966780" y="485809"/>
+            <a:ext cx="1769835" cy="261610"/>
+          </a:xfrm>
+          <a:prstGeom prst="rect">
+            <a:avLst/>
+          </a:prstGeom>
+          <a:noFill/>
+        </p:spPr>
+        <p:txBody>
+          <a:bodyPr wrap="square" rtlCol="0">
+            <a:spAutoFit/>
+          </a:bodyPr>
+          <a:lstStyle/>
+          <a:p>
+            <a:pPr algn="r"/>
+            <a:r>
+              <a:rPr lang="en-US" sz="1100">
+                <a:solidFill>
+                  <a:schemeClr val="bg2"/>
+                </a:solidFill>
+                <a:latin typeface="+mj-lt"/>
+              </a:rPr>
+              <a:t>June 2023</a:t>
+            </a:r>
+            <a:endParaRPr lang="en-ID" sz="1100">
+              <a:solidFill>
+                <a:schemeClr val="bg2"/>
+              </a:solidFill>
+              <a:latin typeface="+mj-lt"/>
+            </a:endParaRPr>
+          </a:p>
+        </p:txBody>
+      </p:sp>
+      <p:sp>
+        <p:nvSpPr>
+          <p:cNvPr id="5" name="TextBox 4">
+            <a:extLst>
+              <a:ext uri="{FF2B5EF4-FFF2-40B4-BE49-F238E27FC236}">
+                <a16:creationId xmlns:a16="http://schemas.microsoft.com/office/drawing/2014/main" id="{D98CBE50-2056-45C2-8EA6-FCCF7D83C9AA}"/>
+              </a:ext>
+            </a:extLst>
+          </p:cNvPr>
+          <p:cNvSpPr txBox="1"/>
+          <p:nvPr/>
+        </p:nvSpPr>
+        <p:spPr>
+          <a:xfrm>
+            <a:off x="400623" y="1496917"/>
+            <a:ext cx="5534956" cy="4031873"/>
+          </a:xfrm>
+          <a:prstGeom prst="rect">
+            <a:avLst/>
+          </a:prstGeom>
+          <a:noFill/>
+        </p:spPr>
+        <p:txBody>
+          <a:bodyPr wrap="square" rtlCol="0">
+            <a:spAutoFit/>
+          </a:bodyPr>
+          <a:lstStyle/>
+          <a:p>
+            <a:pPr marL="457200" indent="-457200">
+              <a:buFont typeface="Arial" panose="020B0604020202020204" pitchFamily="34" charset="0"/>
+              <a:buChar char="•"/>
+            </a:pPr>
+            <a:r>
+              <a:rPr lang="es-ES" sz="3200" dirty="0">
+                <a:solidFill>
+                  <a:srgbClr val="564E9F"/>
+                </a:solidFill>
+                <a:latin typeface="+mj-lt"/>
+              </a:rPr>
+              <a:t>Conceptos generales de </a:t>
+            </a:r>
+            <a:r>
+              <a:rPr lang="es-ES" sz="3200" dirty="0" err="1">
+                <a:solidFill>
+                  <a:srgbClr val="564E9F"/>
+                </a:solidFill>
+                <a:latin typeface="+mj-lt"/>
+              </a:rPr>
+              <a:t>Kubernetes</a:t>
+            </a:r>
+            <a:endParaRPr lang="es-ES" sz="3200" dirty="0">
+              <a:solidFill>
+                <a:srgbClr val="564E9F"/>
+              </a:solidFill>
+              <a:latin typeface="+mj-lt"/>
+            </a:endParaRPr>
+          </a:p>
+          <a:p>
+            <a:pPr marL="457200" indent="-457200">
+              <a:buFont typeface="Arial" panose="020B0604020202020204" pitchFamily="34" charset="0"/>
+              <a:buChar char="•"/>
+            </a:pPr>
+            <a:r>
+              <a:rPr lang="es-ES" sz="3200" dirty="0">
+                <a:solidFill>
+                  <a:srgbClr val="564E9F"/>
+                </a:solidFill>
+                <a:latin typeface="+mj-lt"/>
+              </a:rPr>
+              <a:t>Componentes y cómo se relacionan entre si</a:t>
+            </a:r>
+          </a:p>
+          <a:p>
+            <a:pPr marL="457200" indent="-457200">
+              <a:buFont typeface="Arial" panose="020B0604020202020204" pitchFamily="34" charset="0"/>
+              <a:buChar char="•"/>
+            </a:pPr>
+            <a:r>
+              <a:rPr lang="es-ES" sz="3200" dirty="0">
+                <a:solidFill>
+                  <a:srgbClr val="564E9F"/>
+                </a:solidFill>
+                <a:latin typeface="+mj-lt"/>
+              </a:rPr>
+              <a:t>Simplificado y resumido</a:t>
+            </a:r>
+          </a:p>
+          <a:p>
+            <a:pPr marL="457200" indent="-457200">
+              <a:buFont typeface="Arial" panose="020B0604020202020204" pitchFamily="34" charset="0"/>
+              <a:buChar char="•"/>
+            </a:pPr>
+            <a:r>
+              <a:rPr lang="es-ES" sz="3200" dirty="0">
+                <a:solidFill>
+                  <a:srgbClr val="564E9F"/>
+                </a:solidFill>
+                <a:latin typeface="+mj-lt"/>
+              </a:rPr>
+              <a:t>Desde el punto de vista de un </a:t>
+            </a:r>
+            <a:r>
+              <a:rPr lang="es-ES" sz="3200" dirty="0" err="1">
+                <a:solidFill>
+                  <a:srgbClr val="564E9F"/>
+                </a:solidFill>
+                <a:latin typeface="+mj-lt"/>
+              </a:rPr>
+              <a:t>developer</a:t>
+            </a:r>
+            <a:r>
+              <a:rPr lang="es-ES" sz="3200" dirty="0">
+                <a:solidFill>
+                  <a:srgbClr val="564E9F"/>
+                </a:solidFill>
+                <a:latin typeface="+mj-lt"/>
+              </a:rPr>
+              <a:t> (nada de </a:t>
+            </a:r>
+            <a:r>
+              <a:rPr lang="es-ES" sz="3200" dirty="0" err="1">
+                <a:solidFill>
+                  <a:srgbClr val="564E9F"/>
+                </a:solidFill>
+                <a:latin typeface="+mj-lt"/>
+              </a:rPr>
+              <a:t>networking</a:t>
+            </a:r>
+            <a:r>
+              <a:rPr lang="es-ES" sz="3200" dirty="0">
+                <a:solidFill>
+                  <a:srgbClr val="564E9F"/>
+                </a:solidFill>
+                <a:latin typeface="+mj-lt"/>
+              </a:rPr>
+              <a:t>)</a:t>
+            </a:r>
+          </a:p>
+        </p:txBody>
+      </p:sp>
+      <p:sp>
+        <p:nvSpPr>
+          <p:cNvPr id="6" name="Rectángulo 5">
+            <a:extLst>
+              <a:ext uri="{FF2B5EF4-FFF2-40B4-BE49-F238E27FC236}">
+                <a16:creationId xmlns:a16="http://schemas.microsoft.com/office/drawing/2014/main" id="{5E609F02-15C6-B440-31CB-11E30AFE9202}"/>
+              </a:ext>
+            </a:extLst>
+          </p:cNvPr>
+          <p:cNvSpPr/>
+          <p:nvPr/>
+        </p:nvSpPr>
+        <p:spPr>
+          <a:xfrm>
+            <a:off x="6096000" y="0"/>
+            <a:ext cx="6096000" cy="6858000"/>
+          </a:xfrm>
+          <a:prstGeom prst="rect">
+            <a:avLst/>
+          </a:prstGeom>
+          <a:solidFill>
+            <a:srgbClr val="564E9F"/>
+          </a:solidFill>
+          <a:ln>
+            <a:noFill/>
+          </a:ln>
+        </p:spPr>
+        <p:style>
+          <a:lnRef idx="2">
+            <a:schemeClr val="accent1">
+              <a:shade val="15000"/>
+            </a:schemeClr>
+          </a:lnRef>
+          <a:fillRef idx="1">
+            <a:schemeClr val="accent1"/>
+          </a:fillRef>
+          <a:effectRef idx="0">
+            <a:schemeClr val="accent1"/>
+          </a:effectRef>
+          <a:fontRef idx="minor">
+            <a:schemeClr val="lt1"/>
+          </a:fontRef>
+        </p:style>
+        <p:txBody>
+          <a:bodyPr rtlCol="0" anchor="ctr"/>
+          <a:lstStyle/>
+          <a:p>
+            <a:pPr algn="ctr"/>
+            <a:endParaRPr lang="en-US"/>
+          </a:p>
+        </p:txBody>
+      </p:sp>
+      <p:pic>
+        <p:nvPicPr>
+          <p:cNvPr id="9" name="Imagen 8" descr="Icono&#10;&#10;Descripción generada automáticamente con confianza media">
+            <a:extLst>
+              <a:ext uri="{FF2B5EF4-FFF2-40B4-BE49-F238E27FC236}">
+                <a16:creationId xmlns:a16="http://schemas.microsoft.com/office/drawing/2014/main" id="{924B98BB-2DDA-1195-0D10-E73CB1A87DF6}"/>
+              </a:ext>
+            </a:extLst>
+          </p:cNvPr>
+          <p:cNvPicPr>
+            <a:picLocks noGrp="1" noRot="1" noChangeAspect="1" noMove="1" noResize="1" noEditPoints="1" noAdjustHandles="1" noChangeArrowheads="1" noChangeShapeType="1" noCrop="1"/>
+          </p:cNvPicPr>
+          <p:nvPr/>
+        </p:nvPicPr>
+        <p:blipFill>
+          <a:blip r:embed="rId2">
+            <a:extLst>
+              <a:ext uri="{28A0092B-C50C-407E-A947-70E740481C1C}">
+                <a14:useLocalDpi xmlns:a14="http://schemas.microsoft.com/office/drawing/2010/main" val="0"/>
+              </a:ext>
+            </a:extLst>
+          </a:blip>
+          <a:stretch>
+            <a:fillRect/>
+          </a:stretch>
+        </p:blipFill>
+        <p:spPr>
+          <a:xfrm>
+            <a:off x="1287345" y="6317266"/>
+            <a:ext cx="459962" cy="491706"/>
+          </a:xfrm>
+          <a:prstGeom prst="rect">
+            <a:avLst/>
+          </a:prstGeom>
+        </p:spPr>
+      </p:pic>
+    </p:spTree>
+    <p:extLst>
+      <p:ext uri="{BB962C8B-B14F-4D97-AF65-F5344CB8AC3E}">
+        <p14:creationId xmlns:p14="http://schemas.microsoft.com/office/powerpoint/2010/main" val="3848546639"/>
+      </p:ext>
+    </p:extLst>
+  </p:cSld>
+  <p:clrMapOvr>
+    <a:masterClrMapping/>
+  </p:clrMapOvr>
+</p:sld>
+</file>
+
+<file path=ppt/slides/slide40.xml><?xml version="1.0" encoding="utf-8"?>
 <p:sld xmlns:a="http://schemas.openxmlformats.org/drawingml/2006/main" xmlns:r="http://schemas.openxmlformats.org/officeDocument/2006/relationships" xmlns:p="http://schemas.openxmlformats.org/presentationml/2006/main">
   <p:cSld>
     <p:spTree>
@@ -11189,7 +11248,7 @@
 </p:sld>
 </file>
 
-<file path=ppt/slides/slide42.xml><?xml version="1.0" encoding="utf-8"?>
+<file path=ppt/slides/slide41.xml><?xml version="1.0" encoding="utf-8"?>
 <p:sld xmlns:a="http://schemas.openxmlformats.org/drawingml/2006/main" xmlns:r="http://schemas.openxmlformats.org/officeDocument/2006/relationships" xmlns:p="http://schemas.openxmlformats.org/presentationml/2006/main">
   <p:cSld>
     <p:spTree>
@@ -11406,7 +11465,7 @@
 </p:sld>
 </file>
 
-<file path=ppt/slides/slide43.xml><?xml version="1.0" encoding="utf-8"?>
+<file path=ppt/slides/slide42.xml><?xml version="1.0" encoding="utf-8"?>
 <p:sld xmlns:a="http://schemas.openxmlformats.org/drawingml/2006/main" xmlns:r="http://schemas.openxmlformats.org/officeDocument/2006/relationships" xmlns:p="http://schemas.openxmlformats.org/presentationml/2006/main">
   <p:cSld>
     <p:spTree>
@@ -11821,7 +11880,7 @@
 </p:sld>
 </file>
 
-<file path=ppt/slides/slide44.xml><?xml version="1.0" encoding="utf-8"?>
+<file path=ppt/slides/slide43.xml><?xml version="1.0" encoding="utf-8"?>
 <p:sld xmlns:a="http://schemas.openxmlformats.org/drawingml/2006/main" xmlns:r="http://schemas.openxmlformats.org/officeDocument/2006/relationships" xmlns:p="http://schemas.openxmlformats.org/presentationml/2006/main">
   <p:cSld>
     <p:spTree>
@@ -12058,7 +12117,7 @@
 </p:sld>
 </file>
 
-<file path=ppt/slides/slide45.xml><?xml version="1.0" encoding="utf-8"?>
+<file path=ppt/slides/slide44.xml><?xml version="1.0" encoding="utf-8"?>
 <p:sld xmlns:a="http://schemas.openxmlformats.org/drawingml/2006/main" xmlns:r="http://schemas.openxmlformats.org/officeDocument/2006/relationships" xmlns:p="http://schemas.openxmlformats.org/presentationml/2006/main">
   <p:cSld>
     <p:spTree>
@@ -12977,7 +13036,12 @@
             <p:ph type="title"/>
           </p:nvPr>
         </p:nvSpPr>
-        <p:spPr/>
+        <p:spPr>
+          <a:xfrm>
+            <a:off x="525519" y="260028"/>
+            <a:ext cx="10222692" cy="1312098"/>
+          </a:xfrm>
+        </p:spPr>
         <p:txBody>
           <a:bodyPr/>
           <a:lstStyle/>
@@ -13006,7 +13070,12 @@
             <p:ph sz="half" idx="10"/>
           </p:nvPr>
         </p:nvSpPr>
-        <p:spPr/>
+        <p:spPr>
+          <a:xfrm>
+            <a:off x="525519" y="1780769"/>
+            <a:ext cx="11141875" cy="4676179"/>
+          </a:xfrm>
+        </p:spPr>
         <p:txBody>
           <a:bodyPr/>
           <a:lstStyle/>
